--- a/Clases/Unidad3.pptx
+++ b/Clases/Unidad3.pptx
@@ -4,13 +4,23 @@
   <p:sldMasterIdLst>
     <p:sldMasterId id="2147483648" r:id="rId1"/>
   </p:sldMasterIdLst>
+  <p:notesMasterIdLst>
+    <p:notesMasterId r:id="rId12"/>
+  </p:notesMasterIdLst>
   <p:handoutMasterIdLst>
-    <p:handoutMasterId r:id="rId5"/>
+    <p:handoutMasterId r:id="rId13"/>
   </p:handoutMasterIdLst>
   <p:sldIdLst>
     <p:sldId id="256" r:id="rId2"/>
     <p:sldId id="258" r:id="rId3"/>
-    <p:sldId id="261" r:id="rId4"/>
+    <p:sldId id="264" r:id="rId4"/>
+    <p:sldId id="262" r:id="rId5"/>
+    <p:sldId id="263" r:id="rId6"/>
+    <p:sldId id="265" r:id="rId7"/>
+    <p:sldId id="266" r:id="rId8"/>
+    <p:sldId id="268" r:id="rId9"/>
+    <p:sldId id="267" r:id="rId10"/>
+    <p:sldId id="261" r:id="rId11"/>
   </p:sldIdLst>
   <p:sldSz cx="12192000" cy="6858000"/>
   <p:notesSz cx="6858000" cy="9144000"/>
@@ -214,7 +224,7 @@
           <a:p>
             <a:fld id="{7FF7D7FF-DDC7-474C-8526-899954A31AD1}" type="datetimeFigureOut">
               <a:rPr lang="es-EC" smtClean="0"/>
-              <a:t>3/11/2023</a:t>
+              <a:t>25/11/2023</a:t>
             </a:fld>
             <a:endParaRPr lang="es-EC"/>
           </a:p>
@@ -307,6 +317,692 @@
   </p:cSld>
   <p:clrMap bg1="lt1" tx1="dk1" bg2="lt2" tx2="dk2" accent1="accent1" accent2="accent2" accent3="accent3" accent4="accent4" accent5="accent5" accent6="accent6" hlink="hlink" folHlink="folHlink"/>
 </p:handoutMaster>
+</file>
+
+<file path=ppt/notesMasters/notesMaster1.xml><?xml version="1.0" encoding="utf-8"?>
+<p:notesMaster xmlns:a="http://schemas.openxmlformats.org/drawingml/2006/main" xmlns:r="http://schemas.openxmlformats.org/officeDocument/2006/relationships" xmlns:p="http://schemas.openxmlformats.org/presentationml/2006/main">
+  <p:cSld>
+    <p:bg>
+      <p:bgRef idx="1001">
+        <a:schemeClr val="bg1"/>
+      </p:bgRef>
+    </p:bg>
+    <p:spTree>
+      <p:nvGrpSpPr>
+        <p:cNvPr id="1" name=""/>
+        <p:cNvGrpSpPr/>
+        <p:nvPr/>
+      </p:nvGrpSpPr>
+      <p:grpSpPr>
+        <a:xfrm>
+          <a:off x="0" y="0"/>
+          <a:ext cx="0" cy="0"/>
+          <a:chOff x="0" y="0"/>
+          <a:chExt cx="0" cy="0"/>
+        </a:xfrm>
+      </p:grpSpPr>
+      <p:sp>
+        <p:nvSpPr>
+          <p:cNvPr id="2" name="Marcador de encabezado 1"/>
+          <p:cNvSpPr>
+            <a:spLocks noGrp="1"/>
+          </p:cNvSpPr>
+          <p:nvPr>
+            <p:ph type="hdr" sz="quarter"/>
+          </p:nvPr>
+        </p:nvSpPr>
+        <p:spPr>
+          <a:xfrm>
+            <a:off x="0" y="0"/>
+            <a:ext cx="2971800" cy="458788"/>
+          </a:xfrm>
+          <a:prstGeom prst="rect">
+            <a:avLst/>
+          </a:prstGeom>
+        </p:spPr>
+        <p:txBody>
+          <a:bodyPr vert="horz" lIns="91440" tIns="45720" rIns="91440" bIns="45720" rtlCol="0"/>
+          <a:lstStyle>
+            <a:lvl1pPr algn="l">
+              <a:defRPr sz="1200"/>
+            </a:lvl1pPr>
+          </a:lstStyle>
+          <a:p>
+            <a:endParaRPr lang="es-419"/>
+          </a:p>
+        </p:txBody>
+      </p:sp>
+      <p:sp>
+        <p:nvSpPr>
+          <p:cNvPr id="3" name="Marcador de fecha 2"/>
+          <p:cNvSpPr>
+            <a:spLocks noGrp="1"/>
+          </p:cNvSpPr>
+          <p:nvPr>
+            <p:ph type="dt" idx="1"/>
+          </p:nvPr>
+        </p:nvSpPr>
+        <p:spPr>
+          <a:xfrm>
+            <a:off x="3884613" y="0"/>
+            <a:ext cx="2971800" cy="458788"/>
+          </a:xfrm>
+          <a:prstGeom prst="rect">
+            <a:avLst/>
+          </a:prstGeom>
+        </p:spPr>
+        <p:txBody>
+          <a:bodyPr vert="horz" lIns="91440" tIns="45720" rIns="91440" bIns="45720" rtlCol="0"/>
+          <a:lstStyle>
+            <a:lvl1pPr algn="r">
+              <a:defRPr sz="1200"/>
+            </a:lvl1pPr>
+          </a:lstStyle>
+          <a:p>
+            <a:fld id="{AC0E8478-CD98-4030-9533-562AC7CEE94E}" type="datetimeFigureOut">
+              <a:rPr lang="es-419" smtClean="0"/>
+              <a:t>25/11/2023</a:t>
+            </a:fld>
+            <a:endParaRPr lang="es-419"/>
+          </a:p>
+        </p:txBody>
+      </p:sp>
+      <p:sp>
+        <p:nvSpPr>
+          <p:cNvPr id="4" name="Marcador de imagen de diapositiva 3"/>
+          <p:cNvSpPr>
+            <a:spLocks noGrp="1" noRot="1" noChangeAspect="1"/>
+          </p:cNvSpPr>
+          <p:nvPr>
+            <p:ph type="sldImg" idx="2"/>
+          </p:nvPr>
+        </p:nvSpPr>
+        <p:spPr>
+          <a:xfrm>
+            <a:off x="685800" y="1143000"/>
+            <a:ext cx="5486400" cy="3086100"/>
+          </a:xfrm>
+          <a:prstGeom prst="rect">
+            <a:avLst/>
+          </a:prstGeom>
+          <a:noFill/>
+          <a:ln w="12700">
+            <a:solidFill>
+              <a:prstClr val="black"/>
+            </a:solidFill>
+          </a:ln>
+        </p:spPr>
+        <p:txBody>
+          <a:bodyPr vert="horz" lIns="91440" tIns="45720" rIns="91440" bIns="45720" rtlCol="0" anchor="ctr"/>
+          <a:lstStyle/>
+          <a:p>
+            <a:endParaRPr lang="es-419"/>
+          </a:p>
+        </p:txBody>
+      </p:sp>
+      <p:sp>
+        <p:nvSpPr>
+          <p:cNvPr id="5" name="Marcador de notas 4"/>
+          <p:cNvSpPr>
+            <a:spLocks noGrp="1"/>
+          </p:cNvSpPr>
+          <p:nvPr>
+            <p:ph type="body" sz="quarter" idx="3"/>
+          </p:nvPr>
+        </p:nvSpPr>
+        <p:spPr>
+          <a:xfrm>
+            <a:off x="685800" y="4400550"/>
+            <a:ext cx="5486400" cy="3600450"/>
+          </a:xfrm>
+          <a:prstGeom prst="rect">
+            <a:avLst/>
+          </a:prstGeom>
+        </p:spPr>
+        <p:txBody>
+          <a:bodyPr vert="horz" lIns="91440" tIns="45720" rIns="91440" bIns="45720" rtlCol="0"/>
+          <a:lstStyle/>
+          <a:p>
+            <a:pPr lvl="0"/>
+            <a:r>
+              <a:rPr lang="es-ES"/>
+              <a:t>Haga clic para modificar los estilos de texto del patrón</a:t>
+            </a:r>
+          </a:p>
+          <a:p>
+            <a:pPr lvl="1"/>
+            <a:r>
+              <a:rPr lang="es-ES"/>
+              <a:t>Segundo nivel</a:t>
+            </a:r>
+          </a:p>
+          <a:p>
+            <a:pPr lvl="2"/>
+            <a:r>
+              <a:rPr lang="es-ES"/>
+              <a:t>Tercer nivel</a:t>
+            </a:r>
+          </a:p>
+          <a:p>
+            <a:pPr lvl="3"/>
+            <a:r>
+              <a:rPr lang="es-ES"/>
+              <a:t>Cuarto nivel</a:t>
+            </a:r>
+          </a:p>
+          <a:p>
+            <a:pPr lvl="4"/>
+            <a:r>
+              <a:rPr lang="es-ES"/>
+              <a:t>Quinto nivel</a:t>
+            </a:r>
+            <a:endParaRPr lang="es-419"/>
+          </a:p>
+        </p:txBody>
+      </p:sp>
+      <p:sp>
+        <p:nvSpPr>
+          <p:cNvPr id="6" name="Marcador de pie de página 5"/>
+          <p:cNvSpPr>
+            <a:spLocks noGrp="1"/>
+          </p:cNvSpPr>
+          <p:nvPr>
+            <p:ph type="ftr" sz="quarter" idx="4"/>
+          </p:nvPr>
+        </p:nvSpPr>
+        <p:spPr>
+          <a:xfrm>
+            <a:off x="0" y="8685213"/>
+            <a:ext cx="2971800" cy="458787"/>
+          </a:xfrm>
+          <a:prstGeom prst="rect">
+            <a:avLst/>
+          </a:prstGeom>
+        </p:spPr>
+        <p:txBody>
+          <a:bodyPr vert="horz" lIns="91440" tIns="45720" rIns="91440" bIns="45720" rtlCol="0" anchor="b"/>
+          <a:lstStyle>
+            <a:lvl1pPr algn="l">
+              <a:defRPr sz="1200"/>
+            </a:lvl1pPr>
+          </a:lstStyle>
+          <a:p>
+            <a:endParaRPr lang="es-419"/>
+          </a:p>
+        </p:txBody>
+      </p:sp>
+      <p:sp>
+        <p:nvSpPr>
+          <p:cNvPr id="7" name="Marcador de número de diapositiva 6"/>
+          <p:cNvSpPr>
+            <a:spLocks noGrp="1"/>
+          </p:cNvSpPr>
+          <p:nvPr>
+            <p:ph type="sldNum" sz="quarter" idx="5"/>
+          </p:nvPr>
+        </p:nvSpPr>
+        <p:spPr>
+          <a:xfrm>
+            <a:off x="3884613" y="8685213"/>
+            <a:ext cx="2971800" cy="458787"/>
+          </a:xfrm>
+          <a:prstGeom prst="rect">
+            <a:avLst/>
+          </a:prstGeom>
+        </p:spPr>
+        <p:txBody>
+          <a:bodyPr vert="horz" lIns="91440" tIns="45720" rIns="91440" bIns="45720" rtlCol="0" anchor="b"/>
+          <a:lstStyle>
+            <a:lvl1pPr algn="r">
+              <a:defRPr sz="1200"/>
+            </a:lvl1pPr>
+          </a:lstStyle>
+          <a:p>
+            <a:fld id="{38060D18-4F70-43CC-AF54-0E6D99288404}" type="slidenum">
+              <a:rPr lang="es-419" smtClean="0"/>
+              <a:t>‹Nº›</a:t>
+            </a:fld>
+            <a:endParaRPr lang="es-419"/>
+          </a:p>
+        </p:txBody>
+      </p:sp>
+    </p:spTree>
+    <p:extLst>
+      <p:ext uri="{BB962C8B-B14F-4D97-AF65-F5344CB8AC3E}">
+        <p14:creationId xmlns:p14="http://schemas.microsoft.com/office/powerpoint/2010/main" val="3355980291"/>
+      </p:ext>
+    </p:extLst>
+  </p:cSld>
+  <p:clrMap bg1="lt1" tx1="dk1" bg2="lt2" tx2="dk2" accent1="accent1" accent2="accent2" accent3="accent3" accent4="accent4" accent5="accent5" accent6="accent6" hlink="hlink" folHlink="folHlink"/>
+  <p:notesStyle>
+    <a:lvl1pPr marL="0" algn="l" defTabSz="914400" rtl="0" eaLnBrk="1" latinLnBrk="0" hangingPunct="1">
+      <a:defRPr sz="1200" kern="1200">
+        <a:solidFill>
+          <a:schemeClr val="tx1"/>
+        </a:solidFill>
+        <a:latin typeface="+mn-lt"/>
+        <a:ea typeface="+mn-ea"/>
+        <a:cs typeface="+mn-cs"/>
+      </a:defRPr>
+    </a:lvl1pPr>
+    <a:lvl2pPr marL="457200" algn="l" defTabSz="914400" rtl="0" eaLnBrk="1" latinLnBrk="0" hangingPunct="1">
+      <a:defRPr sz="1200" kern="1200">
+        <a:solidFill>
+          <a:schemeClr val="tx1"/>
+        </a:solidFill>
+        <a:latin typeface="+mn-lt"/>
+        <a:ea typeface="+mn-ea"/>
+        <a:cs typeface="+mn-cs"/>
+      </a:defRPr>
+    </a:lvl2pPr>
+    <a:lvl3pPr marL="914400" algn="l" defTabSz="914400" rtl="0" eaLnBrk="1" latinLnBrk="0" hangingPunct="1">
+      <a:defRPr sz="1200" kern="1200">
+        <a:solidFill>
+          <a:schemeClr val="tx1"/>
+        </a:solidFill>
+        <a:latin typeface="+mn-lt"/>
+        <a:ea typeface="+mn-ea"/>
+        <a:cs typeface="+mn-cs"/>
+      </a:defRPr>
+    </a:lvl3pPr>
+    <a:lvl4pPr marL="1371600" algn="l" defTabSz="914400" rtl="0" eaLnBrk="1" latinLnBrk="0" hangingPunct="1">
+      <a:defRPr sz="1200" kern="1200">
+        <a:solidFill>
+          <a:schemeClr val="tx1"/>
+        </a:solidFill>
+        <a:latin typeface="+mn-lt"/>
+        <a:ea typeface="+mn-ea"/>
+        <a:cs typeface="+mn-cs"/>
+      </a:defRPr>
+    </a:lvl4pPr>
+    <a:lvl5pPr marL="1828800" algn="l" defTabSz="914400" rtl="0" eaLnBrk="1" latinLnBrk="0" hangingPunct="1">
+      <a:defRPr sz="1200" kern="1200">
+        <a:solidFill>
+          <a:schemeClr val="tx1"/>
+        </a:solidFill>
+        <a:latin typeface="+mn-lt"/>
+        <a:ea typeface="+mn-ea"/>
+        <a:cs typeface="+mn-cs"/>
+      </a:defRPr>
+    </a:lvl5pPr>
+    <a:lvl6pPr marL="2286000" algn="l" defTabSz="914400" rtl="0" eaLnBrk="1" latinLnBrk="0" hangingPunct="1">
+      <a:defRPr sz="1200" kern="1200">
+        <a:solidFill>
+          <a:schemeClr val="tx1"/>
+        </a:solidFill>
+        <a:latin typeface="+mn-lt"/>
+        <a:ea typeface="+mn-ea"/>
+        <a:cs typeface="+mn-cs"/>
+      </a:defRPr>
+    </a:lvl6pPr>
+    <a:lvl7pPr marL="2743200" algn="l" defTabSz="914400" rtl="0" eaLnBrk="1" latinLnBrk="0" hangingPunct="1">
+      <a:defRPr sz="1200" kern="1200">
+        <a:solidFill>
+          <a:schemeClr val="tx1"/>
+        </a:solidFill>
+        <a:latin typeface="+mn-lt"/>
+        <a:ea typeface="+mn-ea"/>
+        <a:cs typeface="+mn-cs"/>
+      </a:defRPr>
+    </a:lvl7pPr>
+    <a:lvl8pPr marL="3200400" algn="l" defTabSz="914400" rtl="0" eaLnBrk="1" latinLnBrk="0" hangingPunct="1">
+      <a:defRPr sz="1200" kern="1200">
+        <a:solidFill>
+          <a:schemeClr val="tx1"/>
+        </a:solidFill>
+        <a:latin typeface="+mn-lt"/>
+        <a:ea typeface="+mn-ea"/>
+        <a:cs typeface="+mn-cs"/>
+      </a:defRPr>
+    </a:lvl8pPr>
+    <a:lvl9pPr marL="3657600" algn="l" defTabSz="914400" rtl="0" eaLnBrk="1" latinLnBrk="0" hangingPunct="1">
+      <a:defRPr sz="1200" kern="1200">
+        <a:solidFill>
+          <a:schemeClr val="tx1"/>
+        </a:solidFill>
+        <a:latin typeface="+mn-lt"/>
+        <a:ea typeface="+mn-ea"/>
+        <a:cs typeface="+mn-cs"/>
+      </a:defRPr>
+    </a:lvl9pPr>
+  </p:notesStyle>
+</p:notesMaster>
+</file>
+
+<file path=ppt/notesSlides/notesSlide1.xml><?xml version="1.0" encoding="utf-8"?>
+<p:notes xmlns:a="http://schemas.openxmlformats.org/drawingml/2006/main" xmlns:r="http://schemas.openxmlformats.org/officeDocument/2006/relationships" xmlns:p="http://schemas.openxmlformats.org/presentationml/2006/main">
+  <p:cSld>
+    <p:spTree>
+      <p:nvGrpSpPr>
+        <p:cNvPr id="1" name=""/>
+        <p:cNvGrpSpPr/>
+        <p:nvPr/>
+      </p:nvGrpSpPr>
+      <p:grpSpPr>
+        <a:xfrm>
+          <a:off x="0" y="0"/>
+          <a:ext cx="0" cy="0"/>
+          <a:chOff x="0" y="0"/>
+          <a:chExt cx="0" cy="0"/>
+        </a:xfrm>
+      </p:grpSpPr>
+      <p:sp>
+        <p:nvSpPr>
+          <p:cNvPr id="2" name="Marcador de imagen de diapositiva 1"/>
+          <p:cNvSpPr>
+            <a:spLocks noGrp="1" noRot="1" noChangeAspect="1"/>
+          </p:cNvSpPr>
+          <p:nvPr>
+            <p:ph type="sldImg"/>
+          </p:nvPr>
+        </p:nvSpPr>
+        <p:spPr/>
+      </p:sp>
+      <p:sp>
+        <p:nvSpPr>
+          <p:cNvPr id="3" name="Marcador de notas 2"/>
+          <p:cNvSpPr>
+            <a:spLocks noGrp="1"/>
+          </p:cNvSpPr>
+          <p:nvPr>
+            <p:ph type="body" idx="1"/>
+          </p:nvPr>
+        </p:nvSpPr>
+        <p:spPr/>
+        <p:txBody>
+          <a:bodyPr/>
+          <a:lstStyle/>
+          <a:p>
+            <a:endParaRPr lang="es-419" dirty="0"/>
+          </a:p>
+        </p:txBody>
+      </p:sp>
+      <p:sp>
+        <p:nvSpPr>
+          <p:cNvPr id="4" name="Marcador de número de diapositiva 3"/>
+          <p:cNvSpPr>
+            <a:spLocks noGrp="1"/>
+          </p:cNvSpPr>
+          <p:nvPr>
+            <p:ph type="sldNum" sz="quarter" idx="5"/>
+          </p:nvPr>
+        </p:nvSpPr>
+        <p:spPr/>
+        <p:txBody>
+          <a:bodyPr/>
+          <a:lstStyle/>
+          <a:p>
+            <a:fld id="{38060D18-4F70-43CC-AF54-0E6D99288404}" type="slidenum">
+              <a:rPr lang="es-419" smtClean="0"/>
+              <a:t>6</a:t>
+            </a:fld>
+            <a:endParaRPr lang="es-419"/>
+          </a:p>
+        </p:txBody>
+      </p:sp>
+    </p:spTree>
+    <p:extLst>
+      <p:ext uri="{BB962C8B-B14F-4D97-AF65-F5344CB8AC3E}">
+        <p14:creationId xmlns:p14="http://schemas.microsoft.com/office/powerpoint/2010/main" val="2005090241"/>
+      </p:ext>
+    </p:extLst>
+  </p:cSld>
+  <p:clrMapOvr>
+    <a:masterClrMapping/>
+  </p:clrMapOvr>
+</p:notes>
+</file>
+
+<file path=ppt/notesSlides/notesSlide2.xml><?xml version="1.0" encoding="utf-8"?>
+<p:notes xmlns:a="http://schemas.openxmlformats.org/drawingml/2006/main" xmlns:r="http://schemas.openxmlformats.org/officeDocument/2006/relationships" xmlns:p="http://schemas.openxmlformats.org/presentationml/2006/main">
+  <p:cSld>
+    <p:spTree>
+      <p:nvGrpSpPr>
+        <p:cNvPr id="1" name=""/>
+        <p:cNvGrpSpPr/>
+        <p:nvPr/>
+      </p:nvGrpSpPr>
+      <p:grpSpPr>
+        <a:xfrm>
+          <a:off x="0" y="0"/>
+          <a:ext cx="0" cy="0"/>
+          <a:chOff x="0" y="0"/>
+          <a:chExt cx="0" cy="0"/>
+        </a:xfrm>
+      </p:grpSpPr>
+      <p:sp>
+        <p:nvSpPr>
+          <p:cNvPr id="2" name="Marcador de imagen de diapositiva 1"/>
+          <p:cNvSpPr>
+            <a:spLocks noGrp="1" noRot="1" noChangeAspect="1"/>
+          </p:cNvSpPr>
+          <p:nvPr>
+            <p:ph type="sldImg"/>
+          </p:nvPr>
+        </p:nvSpPr>
+        <p:spPr/>
+      </p:sp>
+      <p:sp>
+        <p:nvSpPr>
+          <p:cNvPr id="3" name="Marcador de notas 2"/>
+          <p:cNvSpPr>
+            <a:spLocks noGrp="1"/>
+          </p:cNvSpPr>
+          <p:nvPr>
+            <p:ph type="body" idx="1"/>
+          </p:nvPr>
+        </p:nvSpPr>
+        <p:spPr/>
+        <p:txBody>
+          <a:bodyPr/>
+          <a:lstStyle/>
+          <a:p>
+            <a:endParaRPr lang="es-419" dirty="0"/>
+          </a:p>
+        </p:txBody>
+      </p:sp>
+      <p:sp>
+        <p:nvSpPr>
+          <p:cNvPr id="4" name="Marcador de número de diapositiva 3"/>
+          <p:cNvSpPr>
+            <a:spLocks noGrp="1"/>
+          </p:cNvSpPr>
+          <p:nvPr>
+            <p:ph type="sldNum" sz="quarter" idx="5"/>
+          </p:nvPr>
+        </p:nvSpPr>
+        <p:spPr/>
+        <p:txBody>
+          <a:bodyPr/>
+          <a:lstStyle/>
+          <a:p>
+            <a:fld id="{38060D18-4F70-43CC-AF54-0E6D99288404}" type="slidenum">
+              <a:rPr lang="es-419" smtClean="0"/>
+              <a:t>7</a:t>
+            </a:fld>
+            <a:endParaRPr lang="es-419"/>
+          </a:p>
+        </p:txBody>
+      </p:sp>
+    </p:spTree>
+    <p:extLst>
+      <p:ext uri="{BB962C8B-B14F-4D97-AF65-F5344CB8AC3E}">
+        <p14:creationId xmlns:p14="http://schemas.microsoft.com/office/powerpoint/2010/main" val="2217615277"/>
+      </p:ext>
+    </p:extLst>
+  </p:cSld>
+  <p:clrMapOvr>
+    <a:masterClrMapping/>
+  </p:clrMapOvr>
+</p:notes>
+</file>
+
+<file path=ppt/notesSlides/notesSlide3.xml><?xml version="1.0" encoding="utf-8"?>
+<p:notes xmlns:a="http://schemas.openxmlformats.org/drawingml/2006/main" xmlns:r="http://schemas.openxmlformats.org/officeDocument/2006/relationships" xmlns:p="http://schemas.openxmlformats.org/presentationml/2006/main">
+  <p:cSld>
+    <p:spTree>
+      <p:nvGrpSpPr>
+        <p:cNvPr id="1" name=""/>
+        <p:cNvGrpSpPr/>
+        <p:nvPr/>
+      </p:nvGrpSpPr>
+      <p:grpSpPr>
+        <a:xfrm>
+          <a:off x="0" y="0"/>
+          <a:ext cx="0" cy="0"/>
+          <a:chOff x="0" y="0"/>
+          <a:chExt cx="0" cy="0"/>
+        </a:xfrm>
+      </p:grpSpPr>
+      <p:sp>
+        <p:nvSpPr>
+          <p:cNvPr id="2" name="Marcador de imagen de diapositiva 1"/>
+          <p:cNvSpPr>
+            <a:spLocks noGrp="1" noRot="1" noChangeAspect="1"/>
+          </p:cNvSpPr>
+          <p:nvPr>
+            <p:ph type="sldImg"/>
+          </p:nvPr>
+        </p:nvSpPr>
+        <p:spPr/>
+      </p:sp>
+      <p:sp>
+        <p:nvSpPr>
+          <p:cNvPr id="3" name="Marcador de notas 2"/>
+          <p:cNvSpPr>
+            <a:spLocks noGrp="1"/>
+          </p:cNvSpPr>
+          <p:nvPr>
+            <p:ph type="body" idx="1"/>
+          </p:nvPr>
+        </p:nvSpPr>
+        <p:spPr/>
+        <p:txBody>
+          <a:bodyPr/>
+          <a:lstStyle/>
+          <a:p>
+            <a:endParaRPr lang="es-419" dirty="0"/>
+          </a:p>
+        </p:txBody>
+      </p:sp>
+      <p:sp>
+        <p:nvSpPr>
+          <p:cNvPr id="4" name="Marcador de número de diapositiva 3"/>
+          <p:cNvSpPr>
+            <a:spLocks noGrp="1"/>
+          </p:cNvSpPr>
+          <p:nvPr>
+            <p:ph type="sldNum" sz="quarter" idx="5"/>
+          </p:nvPr>
+        </p:nvSpPr>
+        <p:spPr/>
+        <p:txBody>
+          <a:bodyPr/>
+          <a:lstStyle/>
+          <a:p>
+            <a:fld id="{38060D18-4F70-43CC-AF54-0E6D99288404}" type="slidenum">
+              <a:rPr lang="es-419" smtClean="0"/>
+              <a:t>8</a:t>
+            </a:fld>
+            <a:endParaRPr lang="es-419"/>
+          </a:p>
+        </p:txBody>
+      </p:sp>
+    </p:spTree>
+    <p:extLst>
+      <p:ext uri="{BB962C8B-B14F-4D97-AF65-F5344CB8AC3E}">
+        <p14:creationId xmlns:p14="http://schemas.microsoft.com/office/powerpoint/2010/main" val="4022190532"/>
+      </p:ext>
+    </p:extLst>
+  </p:cSld>
+  <p:clrMapOvr>
+    <a:masterClrMapping/>
+  </p:clrMapOvr>
+</p:notes>
+</file>
+
+<file path=ppt/notesSlides/notesSlide4.xml><?xml version="1.0" encoding="utf-8"?>
+<p:notes xmlns:a="http://schemas.openxmlformats.org/drawingml/2006/main" xmlns:r="http://schemas.openxmlformats.org/officeDocument/2006/relationships" xmlns:p="http://schemas.openxmlformats.org/presentationml/2006/main">
+  <p:cSld>
+    <p:spTree>
+      <p:nvGrpSpPr>
+        <p:cNvPr id="1" name=""/>
+        <p:cNvGrpSpPr/>
+        <p:nvPr/>
+      </p:nvGrpSpPr>
+      <p:grpSpPr>
+        <a:xfrm>
+          <a:off x="0" y="0"/>
+          <a:ext cx="0" cy="0"/>
+          <a:chOff x="0" y="0"/>
+          <a:chExt cx="0" cy="0"/>
+        </a:xfrm>
+      </p:grpSpPr>
+      <p:sp>
+        <p:nvSpPr>
+          <p:cNvPr id="2" name="Marcador de imagen de diapositiva 1"/>
+          <p:cNvSpPr>
+            <a:spLocks noGrp="1" noRot="1" noChangeAspect="1"/>
+          </p:cNvSpPr>
+          <p:nvPr>
+            <p:ph type="sldImg"/>
+          </p:nvPr>
+        </p:nvSpPr>
+        <p:spPr/>
+      </p:sp>
+      <p:sp>
+        <p:nvSpPr>
+          <p:cNvPr id="3" name="Marcador de notas 2"/>
+          <p:cNvSpPr>
+            <a:spLocks noGrp="1"/>
+          </p:cNvSpPr>
+          <p:nvPr>
+            <p:ph type="body" idx="1"/>
+          </p:nvPr>
+        </p:nvSpPr>
+        <p:spPr/>
+        <p:txBody>
+          <a:bodyPr/>
+          <a:lstStyle/>
+          <a:p>
+            <a:endParaRPr lang="es-419" dirty="0"/>
+          </a:p>
+        </p:txBody>
+      </p:sp>
+      <p:sp>
+        <p:nvSpPr>
+          <p:cNvPr id="4" name="Marcador de número de diapositiva 3"/>
+          <p:cNvSpPr>
+            <a:spLocks noGrp="1"/>
+          </p:cNvSpPr>
+          <p:nvPr>
+            <p:ph type="sldNum" sz="quarter" idx="5"/>
+          </p:nvPr>
+        </p:nvSpPr>
+        <p:spPr/>
+        <p:txBody>
+          <a:bodyPr/>
+          <a:lstStyle/>
+          <a:p>
+            <a:fld id="{38060D18-4F70-43CC-AF54-0E6D99288404}" type="slidenum">
+              <a:rPr lang="es-419" smtClean="0"/>
+              <a:t>9</a:t>
+            </a:fld>
+            <a:endParaRPr lang="es-419"/>
+          </a:p>
+        </p:txBody>
+      </p:sp>
+    </p:spTree>
+    <p:extLst>
+      <p:ext uri="{BB962C8B-B14F-4D97-AF65-F5344CB8AC3E}">
+        <p14:creationId xmlns:p14="http://schemas.microsoft.com/office/powerpoint/2010/main" val="3888404837"/>
+      </p:ext>
+    </p:extLst>
+  </p:cSld>
+  <p:clrMapOvr>
+    <a:masterClrMapping/>
+  </p:clrMapOvr>
+</p:notes>
 </file>
 
 <file path=ppt/slideLayouts/slideLayout1.xml><?xml version="1.0" encoding="utf-8"?>
@@ -640,7 +1336,7 @@
           <a:p>
             <a:fld id="{8FEB83C7-CE7D-EE43-931B-A983B2AE7CF3}" type="datetimeFigureOut">
               <a:rPr lang="es-EC" smtClean="0"/>
-              <a:t>3/11/2023</a:t>
+              <a:t>25/11/2023</a:t>
             </a:fld>
             <a:endParaRPr lang="es-EC"/>
           </a:p>
@@ -1098,8 +1794,8 @@
         </p:nvSpPr>
         <p:spPr>
           <a:xfrm>
-            <a:off x="8770775" y="4909848"/>
-            <a:ext cx="1399807" cy="369332"/>
+            <a:off x="8845420" y="4921125"/>
+            <a:ext cx="1087157" cy="369332"/>
           </a:xfrm>
           <a:prstGeom prst="rect">
             <a:avLst/>
@@ -1114,7 +1810,7 @@
           <a:p>
             <a:r>
               <a:rPr lang="es-419" dirty="0"/>
-              <a:t>Presentación</a:t>
+              <a:t>Unidad III</a:t>
             </a:r>
           </a:p>
         </p:txBody>
@@ -1123,6 +1819,36 @@
     <p:extLst>
       <p:ext uri="{BB962C8B-B14F-4D97-AF65-F5344CB8AC3E}">
         <p14:creationId xmlns:p14="http://schemas.microsoft.com/office/powerpoint/2010/main" val="417312551"/>
+      </p:ext>
+    </p:extLst>
+  </p:cSld>
+  <p:clrMapOvr>
+    <a:masterClrMapping/>
+  </p:clrMapOvr>
+</p:sld>
+</file>
+
+<file path=ppt/slides/slide10.xml><?xml version="1.0" encoding="utf-8"?>
+<p:sld xmlns:a="http://schemas.openxmlformats.org/drawingml/2006/main" xmlns:r="http://schemas.openxmlformats.org/officeDocument/2006/relationships" xmlns:p="http://schemas.openxmlformats.org/presentationml/2006/main">
+  <p:cSld>
+    <p:spTree>
+      <p:nvGrpSpPr>
+        <p:cNvPr id="1" name=""/>
+        <p:cNvGrpSpPr/>
+        <p:nvPr/>
+      </p:nvGrpSpPr>
+      <p:grpSpPr>
+        <a:xfrm>
+          <a:off x="0" y="0"/>
+          <a:ext cx="0" cy="0"/>
+          <a:chOff x="0" y="0"/>
+          <a:chExt cx="0" cy="0"/>
+        </a:xfrm>
+      </p:grpSpPr>
+    </p:spTree>
+    <p:extLst>
+      <p:ext uri="{BB962C8B-B14F-4D97-AF65-F5344CB8AC3E}">
+        <p14:creationId xmlns:p14="http://schemas.microsoft.com/office/powerpoint/2010/main" val="1741919490"/>
       </p:ext>
     </p:extLst>
   </p:cSld>
@@ -1179,7 +1905,7 @@
           <a:p>
             <a:r>
               <a:rPr lang="es-EC" sz="3200" dirty="0"/>
-              <a:t>1.1 Seguridad de la Información y Seguridad Informática</a:t>
+              <a:t>3.1 Modelo OSI de la ISO </a:t>
             </a:r>
           </a:p>
         </p:txBody>
@@ -1202,7 +1928,7 @@
         </p:nvSpPr>
         <p:spPr>
           <a:xfrm>
-            <a:off x="492369" y="1825625"/>
+            <a:off x="492369" y="2357470"/>
             <a:ext cx="11218985" cy="4351338"/>
           </a:xfrm>
         </p:spPr>
@@ -1212,13 +1938,143 @@
           </a:bodyPr>
           <a:lstStyle/>
           <a:p>
+            <a:r>
+              <a:rPr lang="es-EC" sz="2000" b="1" dirty="0"/>
+              <a:t>ISO</a:t>
+            </a:r>
+            <a:r>
+              <a:rPr lang="es-EC" sz="2000" dirty="0"/>
+              <a:t> (</a:t>
+            </a:r>
+            <a:r>
+              <a:rPr lang="es-EC" sz="2000" i="1" dirty="0"/>
+              <a:t>International </a:t>
+            </a:r>
+            <a:r>
+              <a:rPr lang="es-EC" sz="2000" i="1" dirty="0" err="1"/>
+              <a:t>Organization</a:t>
+            </a:r>
+            <a:r>
+              <a:rPr lang="es-EC" sz="2000" i="1" dirty="0"/>
+              <a:t> </a:t>
+            </a:r>
+            <a:r>
+              <a:rPr lang="es-EC" sz="2000" i="1" dirty="0" err="1"/>
+              <a:t>for</a:t>
+            </a:r>
+            <a:r>
+              <a:rPr lang="es-EC" sz="2000" i="1" dirty="0"/>
+              <a:t> </a:t>
+            </a:r>
+            <a:r>
+              <a:rPr lang="es-EC" sz="2000" i="1" dirty="0" err="1"/>
+              <a:t>Standardization</a:t>
+            </a:r>
+            <a:r>
+              <a:rPr lang="es-EC" sz="2000" dirty="0"/>
+              <a:t>).</a:t>
+            </a:r>
+          </a:p>
+          <a:p>
+            <a:r>
+              <a:rPr lang="es-EC" sz="2000" b="1" dirty="0"/>
+              <a:t>OSI</a:t>
+            </a:r>
+            <a:r>
+              <a:rPr lang="es-EC" sz="2000" dirty="0"/>
+              <a:t> (</a:t>
+            </a:r>
+            <a:r>
+              <a:rPr lang="es-EC" sz="2000" i="1" dirty="0"/>
+              <a:t>Open </a:t>
+            </a:r>
+            <a:r>
+              <a:rPr lang="es-EC" sz="2000" i="1" dirty="0" err="1"/>
+              <a:t>System</a:t>
+            </a:r>
+            <a:r>
+              <a:rPr lang="es-EC" sz="2000" i="1" dirty="0"/>
+              <a:t> </a:t>
+            </a:r>
+            <a:r>
+              <a:rPr lang="es-EC" sz="2000" i="1" dirty="0" err="1"/>
+              <a:t>Interconnection</a:t>
+            </a:r>
+            <a:r>
+              <a:rPr lang="es-EC" sz="2000" dirty="0"/>
+              <a:t>).</a:t>
+            </a:r>
+          </a:p>
+          <a:p>
+            <a:r>
+              <a:rPr lang="es-EC" sz="2000" dirty="0"/>
+              <a:t>Modelo para analizar comunicaciones.</a:t>
+            </a:r>
+          </a:p>
+          <a:p>
+            <a:r>
+              <a:rPr lang="es-EC" sz="2000" dirty="0"/>
+              <a:t>La idea es que cada capa brinda un servicio a la </a:t>
+            </a:r>
+          </a:p>
+          <a:p>
             <a:pPr marL="0" indent="0">
               <a:buNone/>
             </a:pPr>
-            <a:endParaRPr lang="es-EC" sz="2000" dirty="0"/>
+            <a:r>
+              <a:rPr lang="es-EC" sz="2000" dirty="0"/>
+              <a:t>   capa superior.</a:t>
+            </a:r>
           </a:p>
         </p:txBody>
       </p:sp>
+      <p:pic>
+        <p:nvPicPr>
+          <p:cNvPr id="4" name="Picture 2" descr="Resultado de imagen para comparacion osi tcp ip">
+            <a:extLst>
+              <a:ext uri="{FF2B5EF4-FFF2-40B4-BE49-F238E27FC236}">
+                <a16:creationId xmlns:a16="http://schemas.microsoft.com/office/drawing/2014/main" id="{8241FA71-E04D-DA2B-CB22-6BDFA5820BF4}"/>
+              </a:ext>
+            </a:extLst>
+          </p:cNvPr>
+          <p:cNvPicPr>
+            <a:picLocks noChangeAspect="1" noChangeArrowheads="1"/>
+          </p:cNvPicPr>
+          <p:nvPr/>
+        </p:nvPicPr>
+        <p:blipFill>
+          <a:blip r:embed="rId2">
+            <a:extLst>
+              <a:ext uri="{28A0092B-C50C-407E-A947-70E740481C1C}">
+                <a14:useLocalDpi xmlns:a14="http://schemas.microsoft.com/office/drawing/2010/main" val="0"/>
+              </a:ext>
+            </a:extLst>
+          </a:blip>
+          <a:srcRect/>
+          <a:stretch>
+            <a:fillRect/>
+          </a:stretch>
+        </p:blipFill>
+        <p:spPr bwMode="auto">
+          <a:xfrm>
+            <a:off x="6000613" y="873016"/>
+            <a:ext cx="6036587" cy="5111968"/>
+          </a:xfrm>
+          <a:prstGeom prst="rect">
+            <a:avLst/>
+          </a:prstGeom>
+          <a:noFill/>
+          <a:extLst>
+            <a:ext uri="{909E8E84-426E-40DD-AFC4-6F175D3DCCD1}">
+              <a14:hiddenFill xmlns:a14="http://schemas.microsoft.com/office/drawing/2010/main">
+                <a:solidFill>
+                  <a:srgbClr val="FFFFFF"/>
+                </a:solidFill>
+              </a14:hiddenFill>
+            </a:ext>
+          </a:extLst>
+        </p:spPr>
+      </p:pic>
     </p:spTree>
     <p:extLst>
       <p:ext uri="{BB962C8B-B14F-4D97-AF65-F5344CB8AC3E}">
@@ -1249,10 +2105,1299 @@
           <a:chExt cx="0" cy="0"/>
         </a:xfrm>
       </p:grpSpPr>
+      <p:pic>
+        <p:nvPicPr>
+          <p:cNvPr id="2" name="Imagen 1">
+            <a:extLst>
+              <a:ext uri="{FF2B5EF4-FFF2-40B4-BE49-F238E27FC236}">
+                <a16:creationId xmlns:a16="http://schemas.microsoft.com/office/drawing/2014/main" id="{46158D53-CCAE-BB5C-253D-294FF35AFF84}"/>
+              </a:ext>
+            </a:extLst>
+          </p:cNvPr>
+          <p:cNvPicPr>
+            <a:picLocks noChangeAspect="1"/>
+          </p:cNvPicPr>
+          <p:nvPr/>
+        </p:nvPicPr>
+        <p:blipFill>
+          <a:blip r:embed="rId2"/>
+          <a:stretch>
+            <a:fillRect/>
+          </a:stretch>
+        </p:blipFill>
+        <p:spPr>
+          <a:xfrm>
+            <a:off x="832601" y="1106682"/>
+            <a:ext cx="9702833" cy="4195819"/>
+          </a:xfrm>
+          <a:prstGeom prst="rect">
+            <a:avLst/>
+          </a:prstGeom>
+        </p:spPr>
+      </p:pic>
+      <p:sp>
+        <p:nvSpPr>
+          <p:cNvPr id="3" name="CuadroTexto 2">
+            <a:extLst>
+              <a:ext uri="{FF2B5EF4-FFF2-40B4-BE49-F238E27FC236}">
+                <a16:creationId xmlns:a16="http://schemas.microsoft.com/office/drawing/2014/main" id="{0003EE44-59F4-CEE8-A753-44BFBB177ECC}"/>
+              </a:ext>
+            </a:extLst>
+          </p:cNvPr>
+          <p:cNvSpPr txBox="1"/>
+          <p:nvPr/>
+        </p:nvSpPr>
+        <p:spPr>
+          <a:xfrm>
+            <a:off x="3176663" y="5302501"/>
+            <a:ext cx="3439319" cy="400110"/>
+          </a:xfrm>
+          <a:prstGeom prst="rect">
+            <a:avLst/>
+          </a:prstGeom>
+          <a:noFill/>
+        </p:spPr>
+        <p:txBody>
+          <a:bodyPr wrap="square" rtlCol="0">
+            <a:spAutoFit/>
+          </a:bodyPr>
+          <a:lstStyle/>
+          <a:p>
+            <a:r>
+              <a:rPr lang="es-419" sz="1000" dirty="0"/>
+              <a:t>SSL y TLS son vulnerables sobre todo</a:t>
+            </a:r>
+          </a:p>
+          <a:p>
+            <a:pPr algn="ctr"/>
+            <a:r>
+              <a:rPr lang="es-419" sz="1000" dirty="0"/>
+              <a:t>a ataques </a:t>
+            </a:r>
+            <a:r>
+              <a:rPr lang="es-419" sz="1000" dirty="0" err="1"/>
+              <a:t>man</a:t>
+            </a:r>
+            <a:r>
+              <a:rPr lang="es-419" sz="1000" dirty="0"/>
+              <a:t>-</a:t>
+            </a:r>
+            <a:r>
+              <a:rPr lang="es-419" sz="1000" dirty="0" err="1"/>
+              <a:t>in-the-middle</a:t>
+            </a:r>
+            <a:endParaRPr lang="es-419" sz="1000" dirty="0"/>
+          </a:p>
+        </p:txBody>
+      </p:sp>
     </p:spTree>
     <p:extLst>
       <p:ext uri="{BB962C8B-B14F-4D97-AF65-F5344CB8AC3E}">
-        <p14:creationId xmlns:p14="http://schemas.microsoft.com/office/powerpoint/2010/main" val="1741919490"/>
+        <p14:creationId xmlns:p14="http://schemas.microsoft.com/office/powerpoint/2010/main" val="4036360141"/>
+      </p:ext>
+    </p:extLst>
+  </p:cSld>
+  <p:clrMapOvr>
+    <a:masterClrMapping/>
+  </p:clrMapOvr>
+</p:sld>
+</file>
+
+<file path=ppt/slides/slide4.xml><?xml version="1.0" encoding="utf-8"?>
+<p:sld xmlns:a="http://schemas.openxmlformats.org/drawingml/2006/main" xmlns:r="http://schemas.openxmlformats.org/officeDocument/2006/relationships" xmlns:p="http://schemas.openxmlformats.org/presentationml/2006/main">
+  <p:cSld>
+    <p:spTree>
+      <p:nvGrpSpPr>
+        <p:cNvPr id="1" name=""/>
+        <p:cNvGrpSpPr/>
+        <p:nvPr/>
+      </p:nvGrpSpPr>
+      <p:grpSpPr>
+        <a:xfrm>
+          <a:off x="0" y="0"/>
+          <a:ext cx="0" cy="0"/>
+          <a:chOff x="0" y="0"/>
+          <a:chExt cx="0" cy="0"/>
+        </a:xfrm>
+      </p:grpSpPr>
+      <p:sp>
+        <p:nvSpPr>
+          <p:cNvPr id="2" name="Título 1">
+            <a:extLst>
+              <a:ext uri="{FF2B5EF4-FFF2-40B4-BE49-F238E27FC236}">
+                <a16:creationId xmlns:a16="http://schemas.microsoft.com/office/drawing/2014/main" id="{B8ABAACC-5240-4E68-A4E9-ACA6E7A4B0A2}"/>
+              </a:ext>
+            </a:extLst>
+          </p:cNvPr>
+          <p:cNvSpPr>
+            <a:spLocks noGrp="1"/>
+          </p:cNvSpPr>
+          <p:nvPr>
+            <p:ph type="title" idx="4294967295"/>
+          </p:nvPr>
+        </p:nvSpPr>
+        <p:spPr>
+          <a:xfrm>
+            <a:off x="492369" y="1395046"/>
+            <a:ext cx="11218985" cy="295642"/>
+          </a:xfrm>
+        </p:spPr>
+        <p:txBody>
+          <a:bodyPr>
+            <a:noAutofit/>
+          </a:bodyPr>
+          <a:lstStyle/>
+          <a:p>
+            <a:r>
+              <a:rPr lang="es-EC" sz="3200" dirty="0"/>
+              <a:t>3.2 Capa Aplicación y Protocolo HTTP</a:t>
+            </a:r>
+          </a:p>
+        </p:txBody>
+      </p:sp>
+      <p:sp>
+        <p:nvSpPr>
+          <p:cNvPr id="3" name="Marcador de contenido 2">
+            <a:extLst>
+              <a:ext uri="{FF2B5EF4-FFF2-40B4-BE49-F238E27FC236}">
+                <a16:creationId xmlns:a16="http://schemas.microsoft.com/office/drawing/2014/main" id="{055CBC30-9FA5-4F46-97C3-766A43887EE6}"/>
+              </a:ext>
+            </a:extLst>
+          </p:cNvPr>
+          <p:cNvSpPr>
+            <a:spLocks noGrp="1"/>
+          </p:cNvSpPr>
+          <p:nvPr>
+            <p:ph idx="4294967295"/>
+          </p:nvPr>
+        </p:nvSpPr>
+        <p:spPr>
+          <a:xfrm>
+            <a:off x="492369" y="1825625"/>
+            <a:ext cx="11218985" cy="4351338"/>
+          </a:xfrm>
+        </p:spPr>
+        <p:txBody>
+          <a:bodyPr>
+            <a:normAutofit/>
+          </a:bodyPr>
+          <a:lstStyle/>
+          <a:p>
+            <a:r>
+              <a:rPr lang="es-EC" sz="2000" b="1" dirty="0"/>
+              <a:t>HTTP</a:t>
+            </a:r>
+            <a:r>
+              <a:rPr lang="es-EC" sz="2000" dirty="0"/>
+              <a:t> (</a:t>
+            </a:r>
+            <a:r>
+              <a:rPr lang="es-EC" sz="2000" dirty="0" err="1"/>
+              <a:t>Hypertext</a:t>
+            </a:r>
+            <a:r>
+              <a:rPr lang="es-EC" sz="2000" dirty="0"/>
+              <a:t> Transfer </a:t>
+            </a:r>
+            <a:r>
+              <a:rPr lang="es-EC" sz="2000" dirty="0" err="1"/>
+              <a:t>Protocol</a:t>
+            </a:r>
+            <a:r>
+              <a:rPr lang="es-EC" sz="2000" dirty="0"/>
+              <a:t>).</a:t>
+            </a:r>
+          </a:p>
+          <a:p>
+            <a:r>
+              <a:rPr lang="es-EC" sz="2000" dirty="0"/>
+              <a:t>Protocolo </a:t>
+            </a:r>
+            <a:r>
+              <a:rPr lang="es-EC" sz="2000" b="1" dirty="0">
+                <a:solidFill>
+                  <a:srgbClr val="FF0000"/>
+                </a:solidFill>
+              </a:rPr>
+              <a:t>NO</a:t>
+            </a:r>
+            <a:r>
+              <a:rPr lang="es-EC" sz="2000" dirty="0"/>
+              <a:t> </a:t>
+            </a:r>
+            <a:r>
+              <a:rPr lang="es-EC" sz="2000" b="1" dirty="0">
+                <a:solidFill>
+                  <a:srgbClr val="FF0000"/>
+                </a:solidFill>
+              </a:rPr>
+              <a:t>seguro</a:t>
+            </a:r>
+            <a:r>
+              <a:rPr lang="es-EC" sz="2000" dirty="0"/>
+              <a:t> de capa aplicación.</a:t>
+            </a:r>
+          </a:p>
+          <a:p>
+            <a:r>
+              <a:rPr lang="es-EC" sz="2000" dirty="0"/>
+              <a:t>Protocolo de tipo </a:t>
+            </a:r>
+            <a:r>
+              <a:rPr lang="es-EC" sz="2000" b="1" dirty="0">
+                <a:solidFill>
+                  <a:srgbClr val="FF0000"/>
+                </a:solidFill>
+              </a:rPr>
+              <a:t>petición-respuesta sin estado</a:t>
+            </a:r>
+            <a:r>
+              <a:rPr lang="es-EC" sz="2000" dirty="0"/>
+              <a:t>.</a:t>
+            </a:r>
+          </a:p>
+          <a:p>
+            <a:endParaRPr lang="es-EC" sz="2000" dirty="0"/>
+          </a:p>
+          <a:p>
+            <a:endParaRPr lang="es-EC" sz="2000" dirty="0"/>
+          </a:p>
+        </p:txBody>
+      </p:sp>
+      <p:pic>
+        <p:nvPicPr>
+          <p:cNvPr id="4098" name="Picture 2">
+            <a:extLst>
+              <a:ext uri="{FF2B5EF4-FFF2-40B4-BE49-F238E27FC236}">
+                <a16:creationId xmlns:a16="http://schemas.microsoft.com/office/drawing/2014/main" id="{3FB782A3-1AB7-1D0C-594A-85BCACA0469D}"/>
+              </a:ext>
+            </a:extLst>
+          </p:cNvPr>
+          <p:cNvPicPr>
+            <a:picLocks noChangeAspect="1" noChangeArrowheads="1"/>
+          </p:cNvPicPr>
+          <p:nvPr/>
+        </p:nvPicPr>
+        <p:blipFill>
+          <a:blip r:embed="rId2">
+            <a:extLst>
+              <a:ext uri="{28A0092B-C50C-407E-A947-70E740481C1C}">
+                <a14:useLocalDpi xmlns:a14="http://schemas.microsoft.com/office/drawing/2010/main" val="0"/>
+              </a:ext>
+            </a:extLst>
+          </a:blip>
+          <a:srcRect/>
+          <a:stretch>
+            <a:fillRect/>
+          </a:stretch>
+        </p:blipFill>
+        <p:spPr bwMode="auto">
+          <a:xfrm>
+            <a:off x="3786673" y="3153746"/>
+            <a:ext cx="4931864" cy="2782077"/>
+          </a:xfrm>
+          <a:prstGeom prst="rect">
+            <a:avLst/>
+          </a:prstGeom>
+          <a:noFill/>
+          <a:extLst>
+            <a:ext uri="{909E8E84-426E-40DD-AFC4-6F175D3DCCD1}">
+              <a14:hiddenFill xmlns:a14="http://schemas.microsoft.com/office/drawing/2010/main">
+                <a:solidFill>
+                  <a:srgbClr val="FFFFFF"/>
+                </a:solidFill>
+              </a14:hiddenFill>
+            </a:ext>
+          </a:extLst>
+        </p:spPr>
+      </p:pic>
+    </p:spTree>
+    <p:extLst>
+      <p:ext uri="{BB962C8B-B14F-4D97-AF65-F5344CB8AC3E}">
+        <p14:creationId xmlns:p14="http://schemas.microsoft.com/office/powerpoint/2010/main" val="1482752443"/>
+      </p:ext>
+    </p:extLst>
+  </p:cSld>
+  <p:clrMapOvr>
+    <a:masterClrMapping/>
+  </p:clrMapOvr>
+</p:sld>
+</file>
+
+<file path=ppt/slides/slide5.xml><?xml version="1.0" encoding="utf-8"?>
+<p:sld xmlns:a="http://schemas.openxmlformats.org/drawingml/2006/main" xmlns:r="http://schemas.openxmlformats.org/officeDocument/2006/relationships" xmlns:p="http://schemas.openxmlformats.org/presentationml/2006/main">
+  <p:cSld>
+    <p:spTree>
+      <p:nvGrpSpPr>
+        <p:cNvPr id="1" name=""/>
+        <p:cNvGrpSpPr/>
+        <p:nvPr/>
+      </p:nvGrpSpPr>
+      <p:grpSpPr>
+        <a:xfrm>
+          <a:off x="0" y="0"/>
+          <a:ext cx="0" cy="0"/>
+          <a:chOff x="0" y="0"/>
+          <a:chExt cx="0" cy="0"/>
+        </a:xfrm>
+      </p:grpSpPr>
+      <p:sp>
+        <p:nvSpPr>
+          <p:cNvPr id="2" name="Título 1">
+            <a:extLst>
+              <a:ext uri="{FF2B5EF4-FFF2-40B4-BE49-F238E27FC236}">
+                <a16:creationId xmlns:a16="http://schemas.microsoft.com/office/drawing/2014/main" id="{B8ABAACC-5240-4E68-A4E9-ACA6E7A4B0A2}"/>
+              </a:ext>
+            </a:extLst>
+          </p:cNvPr>
+          <p:cNvSpPr>
+            <a:spLocks noGrp="1"/>
+          </p:cNvSpPr>
+          <p:nvPr>
+            <p:ph type="title" idx="4294967295"/>
+          </p:nvPr>
+        </p:nvSpPr>
+        <p:spPr>
+          <a:xfrm>
+            <a:off x="492369" y="1395046"/>
+            <a:ext cx="11218985" cy="295642"/>
+          </a:xfrm>
+        </p:spPr>
+        <p:txBody>
+          <a:bodyPr>
+            <a:noAutofit/>
+          </a:bodyPr>
+          <a:lstStyle/>
+          <a:p>
+            <a:r>
+              <a:rPr lang="es-EC" sz="3200" dirty="0"/>
+              <a:t>3.3 Capa Transporte y protocolos SSL y TLS</a:t>
+            </a:r>
+          </a:p>
+        </p:txBody>
+      </p:sp>
+      <p:sp>
+        <p:nvSpPr>
+          <p:cNvPr id="3" name="Marcador de contenido 2">
+            <a:extLst>
+              <a:ext uri="{FF2B5EF4-FFF2-40B4-BE49-F238E27FC236}">
+                <a16:creationId xmlns:a16="http://schemas.microsoft.com/office/drawing/2014/main" id="{055CBC30-9FA5-4F46-97C3-766A43887EE6}"/>
+              </a:ext>
+            </a:extLst>
+          </p:cNvPr>
+          <p:cNvSpPr>
+            <a:spLocks noGrp="1"/>
+          </p:cNvSpPr>
+          <p:nvPr>
+            <p:ph idx="4294967295"/>
+          </p:nvPr>
+        </p:nvSpPr>
+        <p:spPr>
+          <a:xfrm>
+            <a:off x="492369" y="1825625"/>
+            <a:ext cx="11218985" cy="4351338"/>
+          </a:xfrm>
+        </p:spPr>
+        <p:txBody>
+          <a:bodyPr>
+            <a:normAutofit/>
+          </a:bodyPr>
+          <a:lstStyle/>
+          <a:p>
+            <a:r>
+              <a:rPr lang="es-EC" sz="2000" b="1" dirty="0"/>
+              <a:t>SSL </a:t>
+            </a:r>
+            <a:r>
+              <a:rPr lang="es-EC" sz="2000" dirty="0"/>
+              <a:t>(</a:t>
+            </a:r>
+            <a:r>
+              <a:rPr lang="es-EC" sz="2000" i="1" dirty="0" err="1"/>
+              <a:t>Secure</a:t>
+            </a:r>
+            <a:r>
+              <a:rPr lang="es-EC" sz="2000" i="1" dirty="0"/>
+              <a:t> Sockets </a:t>
+            </a:r>
+            <a:r>
+              <a:rPr lang="es-EC" sz="2000" i="1" dirty="0" err="1"/>
+              <a:t>Layer</a:t>
+            </a:r>
+            <a:r>
+              <a:rPr lang="es-EC" sz="2000" dirty="0"/>
+              <a:t>): Antiguo protocolo para brindar seguridad a HTTP.</a:t>
+            </a:r>
+          </a:p>
+          <a:p>
+            <a:r>
+              <a:rPr lang="es-EC" sz="2000" b="1" dirty="0"/>
+              <a:t>TLS </a:t>
+            </a:r>
+            <a:r>
+              <a:rPr lang="es-EC" sz="2000" dirty="0"/>
+              <a:t>(</a:t>
+            </a:r>
+            <a:r>
+              <a:rPr lang="es-EC" sz="2000" i="1" dirty="0" err="1"/>
+              <a:t>Transport</a:t>
+            </a:r>
+            <a:r>
+              <a:rPr lang="es-EC" sz="2000" i="1" dirty="0"/>
+              <a:t> </a:t>
+            </a:r>
+            <a:r>
+              <a:rPr lang="es-EC" sz="2000" i="1" dirty="0" err="1"/>
+              <a:t>Layer</a:t>
+            </a:r>
+            <a:r>
+              <a:rPr lang="es-EC" sz="2000" i="1" dirty="0"/>
+              <a:t> Security</a:t>
+            </a:r>
+            <a:r>
+              <a:rPr lang="es-EC" sz="2000" dirty="0"/>
+              <a:t>): Protocolo mucho más robusto que SSL.</a:t>
+            </a:r>
+          </a:p>
+          <a:p>
+            <a:r>
+              <a:rPr lang="es-EC" sz="2000" dirty="0"/>
+              <a:t>Proveen de seguridad al protocolo HTTP.</a:t>
+            </a:r>
+          </a:p>
+          <a:p>
+            <a:endParaRPr lang="es-EC" sz="2000" dirty="0"/>
+          </a:p>
+          <a:p>
+            <a:endParaRPr lang="es-EC" sz="2000" dirty="0"/>
+          </a:p>
+        </p:txBody>
+      </p:sp>
+      <p:pic>
+        <p:nvPicPr>
+          <p:cNvPr id="3074" name="Picture 2" descr="TLS y SSL: ¿Qué son y en qué se diferencian? – Nettix Perú">
+            <a:extLst>
+              <a:ext uri="{FF2B5EF4-FFF2-40B4-BE49-F238E27FC236}">
+                <a16:creationId xmlns:a16="http://schemas.microsoft.com/office/drawing/2014/main" id="{A67F5D9A-C58E-55A1-8038-D88EB9C7BD9E}"/>
+              </a:ext>
+            </a:extLst>
+          </p:cNvPr>
+          <p:cNvPicPr>
+            <a:picLocks noChangeAspect="1" noChangeArrowheads="1"/>
+          </p:cNvPicPr>
+          <p:nvPr/>
+        </p:nvPicPr>
+        <p:blipFill>
+          <a:blip r:embed="rId2">
+            <a:extLst>
+              <a:ext uri="{28A0092B-C50C-407E-A947-70E740481C1C}">
+                <a14:useLocalDpi xmlns:a14="http://schemas.microsoft.com/office/drawing/2010/main" val="0"/>
+              </a:ext>
+            </a:extLst>
+          </a:blip>
+          <a:srcRect/>
+          <a:stretch>
+            <a:fillRect/>
+          </a:stretch>
+        </p:blipFill>
+        <p:spPr bwMode="auto">
+          <a:xfrm>
+            <a:off x="4198387" y="3429000"/>
+            <a:ext cx="4286250" cy="2476500"/>
+          </a:xfrm>
+          <a:prstGeom prst="rect">
+            <a:avLst/>
+          </a:prstGeom>
+          <a:noFill/>
+          <a:extLst>
+            <a:ext uri="{909E8E84-426E-40DD-AFC4-6F175D3DCCD1}">
+              <a14:hiddenFill xmlns:a14="http://schemas.microsoft.com/office/drawing/2010/main">
+                <a:solidFill>
+                  <a:srgbClr val="FFFFFF"/>
+                </a:solidFill>
+              </a14:hiddenFill>
+            </a:ext>
+          </a:extLst>
+        </p:spPr>
+      </p:pic>
+    </p:spTree>
+    <p:extLst>
+      <p:ext uri="{BB962C8B-B14F-4D97-AF65-F5344CB8AC3E}">
+        <p14:creationId xmlns:p14="http://schemas.microsoft.com/office/powerpoint/2010/main" val="730400666"/>
+      </p:ext>
+    </p:extLst>
+  </p:cSld>
+  <p:clrMapOvr>
+    <a:masterClrMapping/>
+  </p:clrMapOvr>
+</p:sld>
+</file>
+
+<file path=ppt/slides/slide6.xml><?xml version="1.0" encoding="utf-8"?>
+<p:sld xmlns:a="http://schemas.openxmlformats.org/drawingml/2006/main" xmlns:r="http://schemas.openxmlformats.org/officeDocument/2006/relationships" xmlns:p="http://schemas.openxmlformats.org/presentationml/2006/main">
+  <p:cSld>
+    <p:spTree>
+      <p:nvGrpSpPr>
+        <p:cNvPr id="1" name=""/>
+        <p:cNvGrpSpPr/>
+        <p:nvPr/>
+      </p:nvGrpSpPr>
+      <p:grpSpPr>
+        <a:xfrm>
+          <a:off x="0" y="0"/>
+          <a:ext cx="0" cy="0"/>
+          <a:chOff x="0" y="0"/>
+          <a:chExt cx="0" cy="0"/>
+        </a:xfrm>
+      </p:grpSpPr>
+      <p:pic>
+        <p:nvPicPr>
+          <p:cNvPr id="1026" name="Picture 2" descr="Certificados SSL en Google Chrome y Firefox">
+            <a:extLst>
+              <a:ext uri="{FF2B5EF4-FFF2-40B4-BE49-F238E27FC236}">
+                <a16:creationId xmlns:a16="http://schemas.microsoft.com/office/drawing/2014/main" id="{75B59D9A-64D0-F58E-2C5F-EA2CF50C1262}"/>
+              </a:ext>
+            </a:extLst>
+          </p:cNvPr>
+          <p:cNvPicPr>
+            <a:picLocks noChangeAspect="1" noChangeArrowheads="1"/>
+          </p:cNvPicPr>
+          <p:nvPr/>
+        </p:nvPicPr>
+        <p:blipFill>
+          <a:blip r:embed="rId3">
+            <a:extLst>
+              <a:ext uri="{28A0092B-C50C-407E-A947-70E740481C1C}">
+                <a14:useLocalDpi xmlns:a14="http://schemas.microsoft.com/office/drawing/2010/main" val="0"/>
+              </a:ext>
+            </a:extLst>
+          </a:blip>
+          <a:srcRect/>
+          <a:stretch>
+            <a:fillRect/>
+          </a:stretch>
+        </p:blipFill>
+        <p:spPr bwMode="auto">
+          <a:xfrm>
+            <a:off x="7445829" y="3718017"/>
+            <a:ext cx="1660072" cy="1075972"/>
+          </a:xfrm>
+          <a:prstGeom prst="rect">
+            <a:avLst/>
+          </a:prstGeom>
+          <a:noFill/>
+          <a:extLst>
+            <a:ext uri="{909E8E84-426E-40DD-AFC4-6F175D3DCCD1}">
+              <a14:hiddenFill xmlns:a14="http://schemas.microsoft.com/office/drawing/2010/main">
+                <a:solidFill>
+                  <a:srgbClr val="FFFFFF"/>
+                </a:solidFill>
+              </a14:hiddenFill>
+            </a:ext>
+          </a:extLst>
+        </p:spPr>
+      </p:pic>
+      <p:sp>
+        <p:nvSpPr>
+          <p:cNvPr id="2" name="Título 1">
+            <a:extLst>
+              <a:ext uri="{FF2B5EF4-FFF2-40B4-BE49-F238E27FC236}">
+                <a16:creationId xmlns:a16="http://schemas.microsoft.com/office/drawing/2014/main" id="{B8ABAACC-5240-4E68-A4E9-ACA6E7A4B0A2}"/>
+              </a:ext>
+            </a:extLst>
+          </p:cNvPr>
+          <p:cNvSpPr>
+            <a:spLocks noGrp="1"/>
+          </p:cNvSpPr>
+          <p:nvPr>
+            <p:ph type="title" idx="4294967295"/>
+          </p:nvPr>
+        </p:nvSpPr>
+        <p:spPr>
+          <a:xfrm>
+            <a:off x="492369" y="1395046"/>
+            <a:ext cx="11218985" cy="295642"/>
+          </a:xfrm>
+        </p:spPr>
+        <p:txBody>
+          <a:bodyPr>
+            <a:noAutofit/>
+          </a:bodyPr>
+          <a:lstStyle/>
+          <a:p>
+            <a:r>
+              <a:rPr lang="es-EC" sz="3200" dirty="0"/>
+              <a:t>3.3 Capa Transporte y protocolos SSL y TLS</a:t>
+            </a:r>
+          </a:p>
+        </p:txBody>
+      </p:sp>
+      <p:sp>
+        <p:nvSpPr>
+          <p:cNvPr id="3" name="Marcador de contenido 2">
+            <a:extLst>
+              <a:ext uri="{FF2B5EF4-FFF2-40B4-BE49-F238E27FC236}">
+                <a16:creationId xmlns:a16="http://schemas.microsoft.com/office/drawing/2014/main" id="{055CBC30-9FA5-4F46-97C3-766A43887EE6}"/>
+              </a:ext>
+            </a:extLst>
+          </p:cNvPr>
+          <p:cNvSpPr>
+            <a:spLocks noGrp="1"/>
+          </p:cNvSpPr>
+          <p:nvPr>
+            <p:ph idx="4294967295"/>
+          </p:nvPr>
+        </p:nvSpPr>
+        <p:spPr>
+          <a:xfrm>
+            <a:off x="492369" y="1825625"/>
+            <a:ext cx="11218985" cy="4351338"/>
+          </a:xfrm>
+        </p:spPr>
+        <p:txBody>
+          <a:bodyPr>
+            <a:normAutofit/>
+          </a:bodyPr>
+          <a:lstStyle/>
+          <a:p>
+            <a:pPr marL="457200" indent="-457200">
+              <a:buAutoNum type="arabicPeriod"/>
+            </a:pPr>
+            <a:r>
+              <a:rPr lang="es-EC" sz="2000" dirty="0"/>
+              <a:t>Cliente solicita página web a servidor.</a:t>
+            </a:r>
+          </a:p>
+          <a:p>
+            <a:pPr marL="457200" indent="-457200">
+              <a:buAutoNum type="arabicPeriod"/>
+            </a:pPr>
+            <a:r>
+              <a:rPr lang="es-EC" sz="2000" dirty="0"/>
+              <a:t>Servidor responde con firma digital de un mensaje </a:t>
+            </a:r>
+            <a:r>
+              <a:rPr lang="es-EC" sz="2000" dirty="0" err="1"/>
+              <a:t>randómico</a:t>
+            </a:r>
+            <a:r>
+              <a:rPr lang="es-EC" sz="2000" dirty="0"/>
+              <a:t>. Si es la primera vez también con el certificado digital del servidor.</a:t>
+            </a:r>
+          </a:p>
+          <a:p>
+            <a:pPr marL="457200" indent="-457200">
+              <a:buAutoNum type="arabicPeriod"/>
+            </a:pPr>
+            <a:r>
+              <a:rPr lang="es-EC" sz="2000" dirty="0"/>
+              <a:t>Cliente descifra firma digital y recalcula el hash sobre el mensaje recibido. Si el hash descifrado coincide con el recalculado el proceso es exitoso y se autentica el servidor.</a:t>
+            </a:r>
+          </a:p>
+          <a:p>
+            <a:pPr marL="457200" indent="-457200">
+              <a:buAutoNum type="arabicPeriod" startAt="4"/>
+            </a:pPr>
+            <a:r>
+              <a:rPr lang="es-EC" sz="2000" dirty="0"/>
+              <a:t>Cliente y servidor crean una clave privada (</a:t>
+            </a:r>
+            <a:r>
+              <a:rPr lang="es-EC" sz="2000" dirty="0" err="1"/>
+              <a:t>Diffie</a:t>
+            </a:r>
+            <a:r>
+              <a:rPr lang="es-EC" sz="2000" dirty="0"/>
+              <a:t>-Hellman).</a:t>
+            </a:r>
+          </a:p>
+          <a:p>
+            <a:pPr marL="457200" indent="-457200">
+              <a:buAutoNum type="arabicPeriod" startAt="4"/>
+            </a:pPr>
+            <a:r>
+              <a:rPr lang="es-EC" sz="2000" dirty="0"/>
+              <a:t>Se logra un canal cifrado simétrico con servidor autenticado. </a:t>
+            </a:r>
+          </a:p>
+          <a:p>
+            <a:pPr marL="457200" indent="-457200">
+              <a:buAutoNum type="arabicPeriod" startAt="4"/>
+            </a:pPr>
+            <a:r>
+              <a:rPr lang="es-EC" sz="2000" dirty="0"/>
+              <a:t>En la transmisión de datos </a:t>
+            </a:r>
+            <a:r>
+              <a:rPr lang="es-EC" sz="2000" dirty="0" err="1"/>
+              <a:t>subsequentes</a:t>
+            </a:r>
+            <a:r>
+              <a:rPr lang="es-EC" sz="2000" dirty="0"/>
+              <a:t> se debe entonces enviar el código hash (precautelar integridad).</a:t>
+            </a:r>
+          </a:p>
+          <a:p>
+            <a:pPr marL="0" indent="0">
+              <a:buNone/>
+            </a:pPr>
+            <a:endParaRPr lang="es-EC" sz="2000" dirty="0"/>
+          </a:p>
+          <a:p>
+            <a:endParaRPr lang="es-EC" sz="2000" dirty="0"/>
+          </a:p>
+        </p:txBody>
+      </p:sp>
+      <p:pic>
+        <p:nvPicPr>
+          <p:cNvPr id="5" name="Imagen 4">
+            <a:extLst>
+              <a:ext uri="{FF2B5EF4-FFF2-40B4-BE49-F238E27FC236}">
+                <a16:creationId xmlns:a16="http://schemas.microsoft.com/office/drawing/2014/main" id="{1A8E03D9-E79F-E884-5E12-32604DAD554E}"/>
+              </a:ext>
+            </a:extLst>
+          </p:cNvPr>
+          <p:cNvPicPr>
+            <a:picLocks noChangeAspect="1"/>
+          </p:cNvPicPr>
+          <p:nvPr/>
+        </p:nvPicPr>
+        <p:blipFill>
+          <a:blip r:embed="rId4"/>
+          <a:stretch>
+            <a:fillRect/>
+          </a:stretch>
+        </p:blipFill>
+        <p:spPr>
+          <a:xfrm>
+            <a:off x="4095985" y="5086113"/>
+            <a:ext cx="4000030" cy="1185194"/>
+          </a:xfrm>
+          <a:prstGeom prst="rect">
+            <a:avLst/>
+          </a:prstGeom>
+        </p:spPr>
+      </p:pic>
+    </p:spTree>
+    <p:extLst>
+      <p:ext uri="{BB962C8B-B14F-4D97-AF65-F5344CB8AC3E}">
+        <p14:creationId xmlns:p14="http://schemas.microsoft.com/office/powerpoint/2010/main" val="3981417405"/>
+      </p:ext>
+    </p:extLst>
+  </p:cSld>
+  <p:clrMapOvr>
+    <a:masterClrMapping/>
+  </p:clrMapOvr>
+</p:sld>
+</file>
+
+<file path=ppt/slides/slide7.xml><?xml version="1.0" encoding="utf-8"?>
+<p:sld xmlns:a="http://schemas.openxmlformats.org/drawingml/2006/main" xmlns:r="http://schemas.openxmlformats.org/officeDocument/2006/relationships" xmlns:p="http://schemas.openxmlformats.org/presentationml/2006/main">
+  <p:cSld>
+    <p:spTree>
+      <p:nvGrpSpPr>
+        <p:cNvPr id="1" name=""/>
+        <p:cNvGrpSpPr/>
+        <p:nvPr/>
+      </p:nvGrpSpPr>
+      <p:grpSpPr>
+        <a:xfrm>
+          <a:off x="0" y="0"/>
+          <a:ext cx="0" cy="0"/>
+          <a:chOff x="0" y="0"/>
+          <a:chExt cx="0" cy="0"/>
+        </a:xfrm>
+      </p:grpSpPr>
+      <p:sp>
+        <p:nvSpPr>
+          <p:cNvPr id="2" name="Título 1">
+            <a:extLst>
+              <a:ext uri="{FF2B5EF4-FFF2-40B4-BE49-F238E27FC236}">
+                <a16:creationId xmlns:a16="http://schemas.microsoft.com/office/drawing/2014/main" id="{B8ABAACC-5240-4E68-A4E9-ACA6E7A4B0A2}"/>
+              </a:ext>
+            </a:extLst>
+          </p:cNvPr>
+          <p:cNvSpPr>
+            <a:spLocks noGrp="1"/>
+          </p:cNvSpPr>
+          <p:nvPr>
+            <p:ph type="title" idx="4294967295"/>
+          </p:nvPr>
+        </p:nvSpPr>
+        <p:spPr>
+          <a:xfrm>
+            <a:off x="492369" y="1395046"/>
+            <a:ext cx="11218985" cy="295642"/>
+          </a:xfrm>
+        </p:spPr>
+        <p:txBody>
+          <a:bodyPr>
+            <a:noAutofit/>
+          </a:bodyPr>
+          <a:lstStyle/>
+          <a:p>
+            <a:r>
+              <a:rPr lang="es-EC" sz="3200" dirty="0"/>
+              <a:t>3.4 Formatos de datos</a:t>
+            </a:r>
+          </a:p>
+        </p:txBody>
+      </p:sp>
+      <p:sp>
+        <p:nvSpPr>
+          <p:cNvPr id="3" name="Marcador de contenido 2">
+            <a:extLst>
+              <a:ext uri="{FF2B5EF4-FFF2-40B4-BE49-F238E27FC236}">
+                <a16:creationId xmlns:a16="http://schemas.microsoft.com/office/drawing/2014/main" id="{055CBC30-9FA5-4F46-97C3-766A43887EE6}"/>
+              </a:ext>
+            </a:extLst>
+          </p:cNvPr>
+          <p:cNvSpPr>
+            <a:spLocks noGrp="1"/>
+          </p:cNvSpPr>
+          <p:nvPr>
+            <p:ph idx="4294967295"/>
+          </p:nvPr>
+        </p:nvSpPr>
+        <p:spPr>
+          <a:xfrm>
+            <a:off x="480646" y="1542867"/>
+            <a:ext cx="11218985" cy="4351338"/>
+          </a:xfrm>
+        </p:spPr>
+        <p:txBody>
+          <a:bodyPr>
+            <a:normAutofit/>
+          </a:bodyPr>
+          <a:lstStyle/>
+          <a:p>
+            <a:pPr marL="0" indent="0">
+              <a:buNone/>
+            </a:pPr>
+            <a:endParaRPr lang="es-EC" sz="2000" dirty="0"/>
+          </a:p>
+          <a:p>
+            <a:r>
+              <a:rPr lang="es-EC" sz="2000" dirty="0"/>
+              <a:t>JSON (</a:t>
+            </a:r>
+            <a:r>
+              <a:rPr lang="es-EC" sz="2000" i="1" dirty="0"/>
+              <a:t>JavaScript </a:t>
+            </a:r>
+            <a:r>
+              <a:rPr lang="es-EC" sz="2000" i="1" dirty="0" err="1"/>
+              <a:t>Object</a:t>
+            </a:r>
+            <a:r>
+              <a:rPr lang="es-EC" sz="2000" i="1" dirty="0"/>
+              <a:t> </a:t>
+            </a:r>
+            <a:r>
+              <a:rPr lang="es-EC" sz="2000" i="1" dirty="0" err="1"/>
+              <a:t>Notation</a:t>
+            </a:r>
+            <a:r>
+              <a:rPr lang="es-EC" sz="2000" dirty="0"/>
+              <a:t>): Comprende otra manera de expresar un mensaje.</a:t>
+            </a:r>
+          </a:p>
+        </p:txBody>
+      </p:sp>
+      <p:pic>
+        <p:nvPicPr>
+          <p:cNvPr id="8" name="Imagen 7">
+            <a:extLst>
+              <a:ext uri="{FF2B5EF4-FFF2-40B4-BE49-F238E27FC236}">
+                <a16:creationId xmlns:a16="http://schemas.microsoft.com/office/drawing/2014/main" id="{8A5F8A42-68E9-7006-007A-1BD58A9681C0}"/>
+              </a:ext>
+            </a:extLst>
+          </p:cNvPr>
+          <p:cNvPicPr>
+            <a:picLocks noChangeAspect="1"/>
+          </p:cNvPicPr>
+          <p:nvPr/>
+        </p:nvPicPr>
+        <p:blipFill>
+          <a:blip r:embed="rId3"/>
+          <a:stretch>
+            <a:fillRect/>
+          </a:stretch>
+        </p:blipFill>
+        <p:spPr>
+          <a:xfrm>
+            <a:off x="1984853" y="2341430"/>
+            <a:ext cx="2941710" cy="3804269"/>
+          </a:xfrm>
+          <a:prstGeom prst="rect">
+            <a:avLst/>
+          </a:prstGeom>
+        </p:spPr>
+      </p:pic>
+      <p:pic>
+        <p:nvPicPr>
+          <p:cNvPr id="2050" name="Picture 2" descr="3 formas de disfrazarte de Jason Voorhees - wikiHow">
+            <a:extLst>
+              <a:ext uri="{FF2B5EF4-FFF2-40B4-BE49-F238E27FC236}">
+                <a16:creationId xmlns:a16="http://schemas.microsoft.com/office/drawing/2014/main" id="{0E77099E-401B-8540-FC50-34B64D3E1A58}"/>
+              </a:ext>
+            </a:extLst>
+          </p:cNvPr>
+          <p:cNvPicPr>
+            <a:picLocks noChangeAspect="1" noChangeArrowheads="1"/>
+          </p:cNvPicPr>
+          <p:nvPr/>
+        </p:nvPicPr>
+        <p:blipFill>
+          <a:blip r:embed="rId4">
+            <a:extLst>
+              <a:ext uri="{28A0092B-C50C-407E-A947-70E740481C1C}">
+                <a14:useLocalDpi xmlns:a14="http://schemas.microsoft.com/office/drawing/2010/main" val="0"/>
+              </a:ext>
+            </a:extLst>
+          </a:blip>
+          <a:srcRect/>
+          <a:stretch>
+            <a:fillRect/>
+          </a:stretch>
+        </p:blipFill>
+        <p:spPr bwMode="auto">
+          <a:xfrm>
+            <a:off x="6302584" y="2898549"/>
+            <a:ext cx="3786370" cy="2839778"/>
+          </a:xfrm>
+          <a:prstGeom prst="rect">
+            <a:avLst/>
+          </a:prstGeom>
+          <a:noFill/>
+          <a:extLst>
+            <a:ext uri="{909E8E84-426E-40DD-AFC4-6F175D3DCCD1}">
+              <a14:hiddenFill xmlns:a14="http://schemas.microsoft.com/office/drawing/2010/main">
+                <a:solidFill>
+                  <a:srgbClr val="FFFFFF"/>
+                </a:solidFill>
+              </a14:hiddenFill>
+            </a:ext>
+          </a:extLst>
+        </p:spPr>
+      </p:pic>
+    </p:spTree>
+    <p:extLst>
+      <p:ext uri="{BB962C8B-B14F-4D97-AF65-F5344CB8AC3E}">
+        <p14:creationId xmlns:p14="http://schemas.microsoft.com/office/powerpoint/2010/main" val="481455953"/>
+      </p:ext>
+    </p:extLst>
+  </p:cSld>
+  <p:clrMapOvr>
+    <a:masterClrMapping/>
+  </p:clrMapOvr>
+</p:sld>
+</file>
+
+<file path=ppt/slides/slide8.xml><?xml version="1.0" encoding="utf-8"?>
+<p:sld xmlns:a="http://schemas.openxmlformats.org/drawingml/2006/main" xmlns:r="http://schemas.openxmlformats.org/officeDocument/2006/relationships" xmlns:p="http://schemas.openxmlformats.org/presentationml/2006/main">
+  <p:cSld>
+    <p:spTree>
+      <p:nvGrpSpPr>
+        <p:cNvPr id="1" name=""/>
+        <p:cNvGrpSpPr/>
+        <p:nvPr/>
+      </p:nvGrpSpPr>
+      <p:grpSpPr>
+        <a:xfrm>
+          <a:off x="0" y="0"/>
+          <a:ext cx="0" cy="0"/>
+          <a:chOff x="0" y="0"/>
+          <a:chExt cx="0" cy="0"/>
+        </a:xfrm>
+      </p:grpSpPr>
+      <p:sp>
+        <p:nvSpPr>
+          <p:cNvPr id="2" name="Título 1">
+            <a:extLst>
+              <a:ext uri="{FF2B5EF4-FFF2-40B4-BE49-F238E27FC236}">
+                <a16:creationId xmlns:a16="http://schemas.microsoft.com/office/drawing/2014/main" id="{B8ABAACC-5240-4E68-A4E9-ACA6E7A4B0A2}"/>
+              </a:ext>
+            </a:extLst>
+          </p:cNvPr>
+          <p:cNvSpPr>
+            <a:spLocks noGrp="1"/>
+          </p:cNvSpPr>
+          <p:nvPr>
+            <p:ph type="title" idx="4294967295"/>
+          </p:nvPr>
+        </p:nvSpPr>
+        <p:spPr>
+          <a:xfrm>
+            <a:off x="492369" y="1395046"/>
+            <a:ext cx="11218985" cy="295642"/>
+          </a:xfrm>
+        </p:spPr>
+        <p:txBody>
+          <a:bodyPr>
+            <a:noAutofit/>
+          </a:bodyPr>
+          <a:lstStyle/>
+          <a:p>
+            <a:r>
+              <a:rPr lang="es-EC" sz="3200" dirty="0"/>
+              <a:t>3.4 Formatos de datos</a:t>
+            </a:r>
+          </a:p>
+        </p:txBody>
+      </p:sp>
+      <p:pic>
+        <p:nvPicPr>
+          <p:cNvPr id="4" name="Imagen 3">
+            <a:extLst>
+              <a:ext uri="{FF2B5EF4-FFF2-40B4-BE49-F238E27FC236}">
+                <a16:creationId xmlns:a16="http://schemas.microsoft.com/office/drawing/2014/main" id="{F41855C2-F4CC-6E1C-FC6E-11DF1431E05C}"/>
+              </a:ext>
+            </a:extLst>
+          </p:cNvPr>
+          <p:cNvPicPr>
+            <a:picLocks noChangeAspect="1"/>
+          </p:cNvPicPr>
+          <p:nvPr/>
+        </p:nvPicPr>
+        <p:blipFill>
+          <a:blip r:embed="rId3"/>
+          <a:stretch>
+            <a:fillRect/>
+          </a:stretch>
+        </p:blipFill>
+        <p:spPr>
+          <a:xfrm>
+            <a:off x="0" y="0"/>
+            <a:ext cx="12192000" cy="6858000"/>
+          </a:xfrm>
+          <a:prstGeom prst="rect">
+            <a:avLst/>
+          </a:prstGeom>
+        </p:spPr>
+      </p:pic>
+    </p:spTree>
+    <p:extLst>
+      <p:ext uri="{BB962C8B-B14F-4D97-AF65-F5344CB8AC3E}">
+        <p14:creationId xmlns:p14="http://schemas.microsoft.com/office/powerpoint/2010/main" val="98137025"/>
+      </p:ext>
+    </p:extLst>
+  </p:cSld>
+  <p:clrMapOvr>
+    <a:masterClrMapping/>
+  </p:clrMapOvr>
+</p:sld>
+</file>
+
+<file path=ppt/slides/slide9.xml><?xml version="1.0" encoding="utf-8"?>
+<p:sld xmlns:a="http://schemas.openxmlformats.org/drawingml/2006/main" xmlns:r="http://schemas.openxmlformats.org/officeDocument/2006/relationships" xmlns:p="http://schemas.openxmlformats.org/presentationml/2006/main">
+  <p:cSld>
+    <p:spTree>
+      <p:nvGrpSpPr>
+        <p:cNvPr id="1" name=""/>
+        <p:cNvGrpSpPr/>
+        <p:nvPr/>
+      </p:nvGrpSpPr>
+      <p:grpSpPr>
+        <a:xfrm>
+          <a:off x="0" y="0"/>
+          <a:ext cx="0" cy="0"/>
+          <a:chOff x="0" y="0"/>
+          <a:chExt cx="0" cy="0"/>
+        </a:xfrm>
+      </p:grpSpPr>
+      <p:sp>
+        <p:nvSpPr>
+          <p:cNvPr id="2" name="Título 1">
+            <a:extLst>
+              <a:ext uri="{FF2B5EF4-FFF2-40B4-BE49-F238E27FC236}">
+                <a16:creationId xmlns:a16="http://schemas.microsoft.com/office/drawing/2014/main" id="{B8ABAACC-5240-4E68-A4E9-ACA6E7A4B0A2}"/>
+              </a:ext>
+            </a:extLst>
+          </p:cNvPr>
+          <p:cNvSpPr>
+            <a:spLocks noGrp="1"/>
+          </p:cNvSpPr>
+          <p:nvPr>
+            <p:ph type="title" idx="4294967295"/>
+          </p:nvPr>
+        </p:nvSpPr>
+        <p:spPr>
+          <a:xfrm>
+            <a:off x="492369" y="1395046"/>
+            <a:ext cx="11218985" cy="295642"/>
+          </a:xfrm>
+        </p:spPr>
+        <p:txBody>
+          <a:bodyPr>
+            <a:noAutofit/>
+          </a:bodyPr>
+          <a:lstStyle/>
+          <a:p>
+            <a:r>
+              <a:rPr lang="es-EC" sz="3200" dirty="0"/>
+              <a:t>3.5 Mecanismos de evasión</a:t>
+            </a:r>
+          </a:p>
+        </p:txBody>
+      </p:sp>
+      <p:sp>
+        <p:nvSpPr>
+          <p:cNvPr id="3" name="Marcador de contenido 2">
+            <a:extLst>
+              <a:ext uri="{FF2B5EF4-FFF2-40B4-BE49-F238E27FC236}">
+                <a16:creationId xmlns:a16="http://schemas.microsoft.com/office/drawing/2014/main" id="{055CBC30-9FA5-4F46-97C3-766A43887EE6}"/>
+              </a:ext>
+            </a:extLst>
+          </p:cNvPr>
+          <p:cNvSpPr>
+            <a:spLocks noGrp="1"/>
+          </p:cNvSpPr>
+          <p:nvPr>
+            <p:ph idx="4294967295"/>
+          </p:nvPr>
+        </p:nvSpPr>
+        <p:spPr>
+          <a:xfrm>
+            <a:off x="486507" y="1993576"/>
+            <a:ext cx="11218985" cy="4351338"/>
+          </a:xfrm>
+        </p:spPr>
+        <p:txBody>
+          <a:bodyPr>
+            <a:normAutofit/>
+          </a:bodyPr>
+          <a:lstStyle/>
+          <a:p>
+            <a:r>
+              <a:rPr lang="es-EC" sz="2000" b="1" dirty="0"/>
+              <a:t>Cifrado: </a:t>
+            </a:r>
+            <a:r>
+              <a:rPr lang="es-EC" sz="2000" dirty="0"/>
+              <a:t>Cifrar malware para evitar mecanismos de detección (antivirus, firewalls, otros).</a:t>
+            </a:r>
+          </a:p>
+          <a:p>
+            <a:r>
+              <a:rPr lang="es-EC" sz="2000" b="1" dirty="0"/>
+              <a:t>Segmentación: </a:t>
+            </a:r>
+            <a:r>
+              <a:rPr lang="es-EC" sz="2000" dirty="0"/>
+              <a:t>Hacer el mensaje más pequeño y reconstruirlo en el destino.</a:t>
+            </a:r>
+          </a:p>
+          <a:p>
+            <a:r>
+              <a:rPr lang="es-EC" sz="2000" b="1" dirty="0"/>
+              <a:t>Temporización (Timing): </a:t>
+            </a:r>
+            <a:r>
+              <a:rPr lang="es-EC" sz="2000" dirty="0"/>
+              <a:t>Añadir tiempos de espera para evitar detecciones.</a:t>
+            </a:r>
+          </a:p>
+        </p:txBody>
+      </p:sp>
+      <p:pic>
+        <p:nvPicPr>
+          <p:cNvPr id="5122" name="Picture 2" descr="LockFile: Ransomware con técnicas de evasión de detección. - Una al Día">
+            <a:extLst>
+              <a:ext uri="{FF2B5EF4-FFF2-40B4-BE49-F238E27FC236}">
+                <a16:creationId xmlns:a16="http://schemas.microsoft.com/office/drawing/2014/main" id="{36469C39-6B5B-8137-64E3-04D06A5248DB}"/>
+              </a:ext>
+            </a:extLst>
+          </p:cNvPr>
+          <p:cNvPicPr>
+            <a:picLocks noChangeAspect="1" noChangeArrowheads="1"/>
+          </p:cNvPicPr>
+          <p:nvPr/>
+        </p:nvPicPr>
+        <p:blipFill>
+          <a:blip r:embed="rId3">
+            <a:extLst>
+              <a:ext uri="{28A0092B-C50C-407E-A947-70E740481C1C}">
+                <a14:useLocalDpi xmlns:a14="http://schemas.microsoft.com/office/drawing/2010/main" val="0"/>
+              </a:ext>
+            </a:extLst>
+          </a:blip>
+          <a:srcRect/>
+          <a:stretch>
+            <a:fillRect/>
+          </a:stretch>
+        </p:blipFill>
+        <p:spPr bwMode="auto">
+          <a:xfrm>
+            <a:off x="1797893" y="3429000"/>
+            <a:ext cx="3716694" cy="2479006"/>
+          </a:xfrm>
+          <a:prstGeom prst="rect">
+            <a:avLst/>
+          </a:prstGeom>
+          <a:noFill/>
+          <a:extLst>
+            <a:ext uri="{909E8E84-426E-40DD-AFC4-6F175D3DCCD1}">
+              <a14:hiddenFill xmlns:a14="http://schemas.microsoft.com/office/drawing/2010/main">
+                <a:solidFill>
+                  <a:srgbClr val="FFFFFF"/>
+                </a:solidFill>
+              </a14:hiddenFill>
+            </a:ext>
+          </a:extLst>
+        </p:spPr>
+      </p:pic>
+      <p:pic>
+        <p:nvPicPr>
+          <p:cNvPr id="5124" name="Picture 4" descr="LockFile: Ransomware con técnicas de evasión de detección. - Una al Día">
+            <a:extLst>
+              <a:ext uri="{FF2B5EF4-FFF2-40B4-BE49-F238E27FC236}">
+                <a16:creationId xmlns:a16="http://schemas.microsoft.com/office/drawing/2014/main" id="{FE2C1830-CEBB-C86F-465B-AD19F9FA3242}"/>
+              </a:ext>
+            </a:extLst>
+          </p:cNvPr>
+          <p:cNvPicPr>
+            <a:picLocks noChangeAspect="1" noChangeArrowheads="1"/>
+          </p:cNvPicPr>
+          <p:nvPr/>
+        </p:nvPicPr>
+        <p:blipFill>
+          <a:blip r:embed="rId4">
+            <a:extLst>
+              <a:ext uri="{28A0092B-C50C-407E-A947-70E740481C1C}">
+                <a14:useLocalDpi xmlns:a14="http://schemas.microsoft.com/office/drawing/2010/main" val="0"/>
+              </a:ext>
+            </a:extLst>
+          </a:blip>
+          <a:srcRect/>
+          <a:stretch>
+            <a:fillRect/>
+          </a:stretch>
+        </p:blipFill>
+        <p:spPr bwMode="auto">
+          <a:xfrm>
+            <a:off x="6521531" y="3659406"/>
+            <a:ext cx="3531838" cy="2018193"/>
+          </a:xfrm>
+          <a:prstGeom prst="rect">
+            <a:avLst/>
+          </a:prstGeom>
+          <a:noFill/>
+          <a:extLst>
+            <a:ext uri="{909E8E84-426E-40DD-AFC4-6F175D3DCCD1}">
+              <a14:hiddenFill xmlns:a14="http://schemas.microsoft.com/office/drawing/2010/main">
+                <a:solidFill>
+                  <a:srgbClr val="FFFFFF"/>
+                </a:solidFill>
+              </a14:hiddenFill>
+            </a:ext>
+          </a:extLst>
+        </p:spPr>
+      </p:pic>
+    </p:spTree>
+    <p:extLst>
+      <p:ext uri="{BB962C8B-B14F-4D97-AF65-F5344CB8AC3E}">
+        <p14:creationId xmlns:p14="http://schemas.microsoft.com/office/powerpoint/2010/main" val="2155373607"/>
       </p:ext>
     </p:extLst>
   </p:cSld>
@@ -1850,4 +3995,299 @@
     </a:ext>
   </a:extLst>
 </a:theme>
+</file>
+
+<file path=ppt/theme/theme3.xml><?xml version="1.0" encoding="utf-8"?>
+<a:theme xmlns:a="http://schemas.openxmlformats.org/drawingml/2006/main" name="Tema de Office">
+  <a:themeElements>
+    <a:clrScheme name="Office">
+      <a:dk1>
+        <a:sysClr val="windowText" lastClr="000000"/>
+      </a:dk1>
+      <a:lt1>
+        <a:sysClr val="window" lastClr="FFFFFF"/>
+      </a:lt1>
+      <a:dk2>
+        <a:srgbClr val="44546A"/>
+      </a:dk2>
+      <a:lt2>
+        <a:srgbClr val="E7E6E6"/>
+      </a:lt2>
+      <a:accent1>
+        <a:srgbClr val="4472C4"/>
+      </a:accent1>
+      <a:accent2>
+        <a:srgbClr val="ED7D31"/>
+      </a:accent2>
+      <a:accent3>
+        <a:srgbClr val="A5A5A5"/>
+      </a:accent3>
+      <a:accent4>
+        <a:srgbClr val="FFC000"/>
+      </a:accent4>
+      <a:accent5>
+        <a:srgbClr val="5B9BD5"/>
+      </a:accent5>
+      <a:accent6>
+        <a:srgbClr val="70AD47"/>
+      </a:accent6>
+      <a:hlink>
+        <a:srgbClr val="0563C1"/>
+      </a:hlink>
+      <a:folHlink>
+        <a:srgbClr val="954F72"/>
+      </a:folHlink>
+    </a:clrScheme>
+    <a:fontScheme name="Office">
+      <a:majorFont>
+        <a:latin typeface="Calibri Light" panose="020F0302020204030204"/>
+        <a:ea typeface=""/>
+        <a:cs typeface=""/>
+        <a:font script="Jpan" typeface="游ゴシック Light"/>
+        <a:font script="Hang" typeface="맑은 고딕"/>
+        <a:font script="Hans" typeface="等线 Light"/>
+        <a:font script="Hant" typeface="新細明體"/>
+        <a:font script="Arab" typeface="Times New Roman"/>
+        <a:font script="Hebr" typeface="Times New Roman"/>
+        <a:font script="Thai" typeface="Angsana New"/>
+        <a:font script="Ethi" typeface="Nyala"/>
+        <a:font script="Beng" typeface="Vrinda"/>
+        <a:font script="Gujr" typeface="Shruti"/>
+        <a:font script="Khmr" typeface="MoolBoran"/>
+        <a:font script="Knda" typeface="Tunga"/>
+        <a:font script="Guru" typeface="Raavi"/>
+        <a:font script="Cans" typeface="Euphemia"/>
+        <a:font script="Cher" typeface="Plantagenet Cherokee"/>
+        <a:font script="Yiii" typeface="Microsoft Yi Baiti"/>
+        <a:font script="Tibt" typeface="Microsoft Himalaya"/>
+        <a:font script="Thaa" typeface="MV Boli"/>
+        <a:font script="Deva" typeface="Mangal"/>
+        <a:font script="Telu" typeface="Gautami"/>
+        <a:font script="Taml" typeface="Latha"/>
+        <a:font script="Syrc" typeface="Estrangelo Edessa"/>
+        <a:font script="Orya" typeface="Kalinga"/>
+        <a:font script="Mlym" typeface="Kartika"/>
+        <a:font script="Laoo" typeface="DokChampa"/>
+        <a:font script="Sinh" typeface="Iskoola Pota"/>
+        <a:font script="Mong" typeface="Mongolian Baiti"/>
+        <a:font script="Viet" typeface="Times New Roman"/>
+        <a:font script="Uigh" typeface="Microsoft Uighur"/>
+        <a:font script="Geor" typeface="Sylfaen"/>
+        <a:font script="Armn" typeface="Arial"/>
+        <a:font script="Bugi" typeface="Leelawadee UI"/>
+        <a:font script="Bopo" typeface="Microsoft JhengHei"/>
+        <a:font script="Java" typeface="Javanese Text"/>
+        <a:font script="Lisu" typeface="Segoe UI"/>
+        <a:font script="Mymr" typeface="Myanmar Text"/>
+        <a:font script="Nkoo" typeface="Ebrima"/>
+        <a:font script="Olck" typeface="Nirmala UI"/>
+        <a:font script="Osma" typeface="Ebrima"/>
+        <a:font script="Phag" typeface="Phagspa"/>
+        <a:font script="Syrn" typeface="Estrangelo Edessa"/>
+        <a:font script="Syrj" typeface="Estrangelo Edessa"/>
+        <a:font script="Syre" typeface="Estrangelo Edessa"/>
+        <a:font script="Sora" typeface="Nirmala UI"/>
+        <a:font script="Tale" typeface="Microsoft Tai Le"/>
+        <a:font script="Talu" typeface="Microsoft New Tai Lue"/>
+        <a:font script="Tfng" typeface="Ebrima"/>
+      </a:majorFont>
+      <a:minorFont>
+        <a:latin typeface="Calibri" panose="020F0502020204030204"/>
+        <a:ea typeface=""/>
+        <a:cs typeface=""/>
+        <a:font script="Jpan" typeface="游ゴシック"/>
+        <a:font script="Hang" typeface="맑은 고딕"/>
+        <a:font script="Hans" typeface="等线"/>
+        <a:font script="Hant" typeface="新細明體"/>
+        <a:font script="Arab" typeface="Arial"/>
+        <a:font script="Hebr" typeface="Arial"/>
+        <a:font script="Thai" typeface="Cordia New"/>
+        <a:font script="Ethi" typeface="Nyala"/>
+        <a:font script="Beng" typeface="Vrinda"/>
+        <a:font script="Gujr" typeface="Shruti"/>
+        <a:font script="Khmr" typeface="DaunPenh"/>
+        <a:font script="Knda" typeface="Tunga"/>
+        <a:font script="Guru" typeface="Raavi"/>
+        <a:font script="Cans" typeface="Euphemia"/>
+        <a:font script="Cher" typeface="Plantagenet Cherokee"/>
+        <a:font script="Yiii" typeface="Microsoft Yi Baiti"/>
+        <a:font script="Tibt" typeface="Microsoft Himalaya"/>
+        <a:font script="Thaa" typeface="MV Boli"/>
+        <a:font script="Deva" typeface="Mangal"/>
+        <a:font script="Telu" typeface="Gautami"/>
+        <a:font script="Taml" typeface="Latha"/>
+        <a:font script="Syrc" typeface="Estrangelo Edessa"/>
+        <a:font script="Orya" typeface="Kalinga"/>
+        <a:font script="Mlym" typeface="Kartika"/>
+        <a:font script="Laoo" typeface="DokChampa"/>
+        <a:font script="Sinh" typeface="Iskoola Pota"/>
+        <a:font script="Mong" typeface="Mongolian Baiti"/>
+        <a:font script="Viet" typeface="Arial"/>
+        <a:font script="Uigh" typeface="Microsoft Uighur"/>
+        <a:font script="Geor" typeface="Sylfaen"/>
+        <a:font script="Armn" typeface="Arial"/>
+        <a:font script="Bugi" typeface="Leelawadee UI"/>
+        <a:font script="Bopo" typeface="Microsoft JhengHei"/>
+        <a:font script="Java" typeface="Javanese Text"/>
+        <a:font script="Lisu" typeface="Segoe UI"/>
+        <a:font script="Mymr" typeface="Myanmar Text"/>
+        <a:font script="Nkoo" typeface="Ebrima"/>
+        <a:font script="Olck" typeface="Nirmala UI"/>
+        <a:font script="Osma" typeface="Ebrima"/>
+        <a:font script="Phag" typeface="Phagspa"/>
+        <a:font script="Syrn" typeface="Estrangelo Edessa"/>
+        <a:font script="Syrj" typeface="Estrangelo Edessa"/>
+        <a:font script="Syre" typeface="Estrangelo Edessa"/>
+        <a:font script="Sora" typeface="Nirmala UI"/>
+        <a:font script="Tale" typeface="Microsoft Tai Le"/>
+        <a:font script="Talu" typeface="Microsoft New Tai Lue"/>
+        <a:font script="Tfng" typeface="Ebrima"/>
+      </a:minorFont>
+    </a:fontScheme>
+    <a:fmtScheme name="Office">
+      <a:fillStyleLst>
+        <a:solidFill>
+          <a:schemeClr val="phClr"/>
+        </a:solidFill>
+        <a:gradFill rotWithShape="1">
+          <a:gsLst>
+            <a:gs pos="0">
+              <a:schemeClr val="phClr">
+                <a:lumMod val="110000"/>
+                <a:satMod val="105000"/>
+                <a:tint val="67000"/>
+              </a:schemeClr>
+            </a:gs>
+            <a:gs pos="50000">
+              <a:schemeClr val="phClr">
+                <a:lumMod val="105000"/>
+                <a:satMod val="103000"/>
+                <a:tint val="73000"/>
+              </a:schemeClr>
+            </a:gs>
+            <a:gs pos="100000">
+              <a:schemeClr val="phClr">
+                <a:lumMod val="105000"/>
+                <a:satMod val="109000"/>
+                <a:tint val="81000"/>
+              </a:schemeClr>
+            </a:gs>
+          </a:gsLst>
+          <a:lin ang="5400000" scaled="0"/>
+        </a:gradFill>
+        <a:gradFill rotWithShape="1">
+          <a:gsLst>
+            <a:gs pos="0">
+              <a:schemeClr val="phClr">
+                <a:satMod val="103000"/>
+                <a:lumMod val="102000"/>
+                <a:tint val="94000"/>
+              </a:schemeClr>
+            </a:gs>
+            <a:gs pos="50000">
+              <a:schemeClr val="phClr">
+                <a:satMod val="110000"/>
+                <a:lumMod val="100000"/>
+                <a:shade val="100000"/>
+              </a:schemeClr>
+            </a:gs>
+            <a:gs pos="100000">
+              <a:schemeClr val="phClr">
+                <a:lumMod val="99000"/>
+                <a:satMod val="120000"/>
+                <a:shade val="78000"/>
+              </a:schemeClr>
+            </a:gs>
+          </a:gsLst>
+          <a:lin ang="5400000" scaled="0"/>
+        </a:gradFill>
+      </a:fillStyleLst>
+      <a:lnStyleLst>
+        <a:ln w="6350" cap="flat" cmpd="sng" algn="ctr">
+          <a:solidFill>
+            <a:schemeClr val="phClr"/>
+          </a:solidFill>
+          <a:prstDash val="solid"/>
+          <a:miter lim="800000"/>
+        </a:ln>
+        <a:ln w="12700" cap="flat" cmpd="sng" algn="ctr">
+          <a:solidFill>
+            <a:schemeClr val="phClr"/>
+          </a:solidFill>
+          <a:prstDash val="solid"/>
+          <a:miter lim="800000"/>
+        </a:ln>
+        <a:ln w="19050" cap="flat" cmpd="sng" algn="ctr">
+          <a:solidFill>
+            <a:schemeClr val="phClr"/>
+          </a:solidFill>
+          <a:prstDash val="solid"/>
+          <a:miter lim="800000"/>
+        </a:ln>
+      </a:lnStyleLst>
+      <a:effectStyleLst>
+        <a:effectStyle>
+          <a:effectLst/>
+        </a:effectStyle>
+        <a:effectStyle>
+          <a:effectLst/>
+        </a:effectStyle>
+        <a:effectStyle>
+          <a:effectLst>
+            <a:outerShdw blurRad="57150" dist="19050" dir="5400000" algn="ctr" rotWithShape="0">
+              <a:srgbClr val="000000">
+                <a:alpha val="63000"/>
+              </a:srgbClr>
+            </a:outerShdw>
+          </a:effectLst>
+        </a:effectStyle>
+      </a:effectStyleLst>
+      <a:bgFillStyleLst>
+        <a:solidFill>
+          <a:schemeClr val="phClr"/>
+        </a:solidFill>
+        <a:solidFill>
+          <a:schemeClr val="phClr">
+            <a:tint val="95000"/>
+            <a:satMod val="170000"/>
+          </a:schemeClr>
+        </a:solidFill>
+        <a:gradFill rotWithShape="1">
+          <a:gsLst>
+            <a:gs pos="0">
+              <a:schemeClr val="phClr">
+                <a:tint val="93000"/>
+                <a:satMod val="150000"/>
+                <a:shade val="98000"/>
+                <a:lumMod val="102000"/>
+              </a:schemeClr>
+            </a:gs>
+            <a:gs pos="50000">
+              <a:schemeClr val="phClr">
+                <a:tint val="98000"/>
+                <a:satMod val="130000"/>
+                <a:shade val="90000"/>
+                <a:lumMod val="103000"/>
+              </a:schemeClr>
+            </a:gs>
+            <a:gs pos="100000">
+              <a:schemeClr val="phClr">
+                <a:shade val="63000"/>
+                <a:satMod val="120000"/>
+              </a:schemeClr>
+            </a:gs>
+          </a:gsLst>
+          <a:lin ang="5400000" scaled="0"/>
+        </a:gradFill>
+      </a:bgFillStyleLst>
+    </a:fmtScheme>
+  </a:themeElements>
+  <a:objectDefaults/>
+  <a:extraClrSchemeLst/>
+  <a:extLst>
+    <a:ext uri="{05A4C25C-085E-4340-85A3-A5531E510DB2}">
+      <thm15:themeFamily xmlns:thm15="http://schemas.microsoft.com/office/thememl/2012/main" name="Office Theme" id="{62F939B6-93AF-4DB8-9C6B-D6C7DFDC589F}" vid="{4A3C46E8-61CC-4603-A589-7422A47A8E4A}"/>
+    </a:ext>
+  </a:extLst>
+</a:theme>
 </file>